--- a/_site/content/Week06/worksheet.pptx
+++ b/_site/content/Week06/worksheet.pptx
@@ -18,8 +18,6 @@
     <p:sldId id="266" r:id="rId12"/>
     <p:sldId id="267" r:id="rId13"/>
     <p:sldId id="268" r:id="rId14"/>
-    <p:sldId id="269" r:id="rId15"/>
-    <p:sldId id="270" r:id="rId16"/>
   </p:sldIdLst>
   <p:sldSz cx="12192000" cy="6858000"/>
   <p:notesSz cx="6858000" cy="9144000"/>
@@ -4934,6 +4932,10 @@
             <a:pPr lvl="0" indent="0" marL="0">
               <a:buNone/>
             </a:pPr>
+            <a:r>
+              <a:rPr/>
+              <a:t>Getting started with Qualtrics &amp; Gorilla</a:t>
+            </a:r>
             <a:br/>
             <a:br/>
           </a:p>
@@ -4963,29 +4965,21 @@
       </p:grpSpPr>
       <p:sp>
         <p:nvSpPr>
-          <p:cNvPr id="2" name="Title 1">
-            <a:extLst>
-              <a:ext uri="{FF2B5EF4-FFF2-40B4-BE49-F238E27FC236}">
-                <a16:creationId xmlns:a16="http://schemas.microsoft.com/office/drawing/2014/main" id="{DD9B8E45-0772-954C-8D4B-6E6808DFEDED}"/>
-              </a:ext>
-            </a:extLst>
-          </p:cNvPr>
-          <p:cNvSpPr>
-            <a:spLocks noGrp="1"/>
-          </p:cNvSpPr>
-          <p:nvPr>
-            <p:ph type="title"/>
-          </p:nvPr>
-        </p:nvSpPr>
-        <p:spPr>
-          <a:xfrm>
-            <a:off x="838200" y="365129"/>
-            <a:ext cx="10002520" cy="1325563"/>
-          </a:xfrm>
-          <a:prstGeom prst="rect">
-            <a:avLst/>
-          </a:prstGeom>
-        </p:spPr>
+          <p:cNvPr id="3" name="Content Placeholder 2">
+            <a:extLst>
+              <a:ext uri="{FF2B5EF4-FFF2-40B4-BE49-F238E27FC236}">
+                <a16:creationId xmlns:a16="http://schemas.microsoft.com/office/drawing/2014/main" id="{A4EB24F9-04F1-C843-9D71-56C5C024552B}"/>
+              </a:ext>
+            </a:extLst>
+          </p:cNvPr>
+          <p:cNvSpPr>
+            <a:spLocks noGrp="1"/>
+          </p:cNvSpPr>
+          <p:nvPr>
+            <p:ph idx="1"/>
+          </p:nvPr>
+        </p:nvSpPr>
+        <p:spPr/>
         <p:txBody>
           <a:bodyPr/>
           <a:lstStyle/>
@@ -4995,38 +4989,13 @@
             </a:pPr>
             <a:r>
               <a:rPr/>
-              <a:t>Block Options and randomisation</a:t>
-            </a:r>
-          </a:p>
-        </p:txBody>
-      </p:sp>
-      <p:sp>
-        <p:nvSpPr>
-          <p:cNvPr id="3" name="Content Placeholder 2">
-            <a:extLst>
-              <a:ext uri="{FF2B5EF4-FFF2-40B4-BE49-F238E27FC236}">
-                <a16:creationId xmlns:a16="http://schemas.microsoft.com/office/drawing/2014/main" id="{A4EB24F9-04F1-C843-9D71-56C5C024552B}"/>
-              </a:ext>
-            </a:extLst>
-          </p:cNvPr>
-          <p:cNvSpPr>
-            <a:spLocks noGrp="1"/>
-          </p:cNvSpPr>
-          <p:nvPr>
-            <p:ph idx="1"/>
-          </p:nvPr>
-        </p:nvSpPr>
-        <p:spPr/>
-        <p:txBody>
-          <a:bodyPr/>
-          <a:lstStyle/>
-          <a:p>
-            <a:pPr lvl="0"/>
+              <a:t>For More Information the Qualtrics website includes comprehensive and easy-to-follow help documentation as mentioned above. Tutorials, webinars and detailed directions are available via Qualtrics’ extensive online resource, Qualtrics Support. </a:t>
+            </a:r>
             <a:r>
               <a:rPr>
                 <a:hlinkClick r:id="rId2"/>
               </a:rPr>
-              <a:t>Block Options and Randomization</a:t>
+              <a:t>www.qualtrics.com/support</a:t>
             </a:r>
           </a:p>
           <a:p>
@@ -5035,7 +5004,13 @@
             </a:pPr>
             <a:r>
               <a:rPr/>
-              <a:t>Sets of questions (or entire questionnaires) can be set up as ‘blocks’ within your survey. If you wish to randomize these blocks, you can, meaning that you can randomly shuffle the sequence of presentation. This is an important feature that you may wish to consider using. Obviously, the information and informed consent will need to remain at the start and the debrief needs to always be the last block presented.</a:t>
+              <a:t>For fast, individualized support over chat, email or a scheduled phone call, please consider using the Support Center. We pay for the services here, but they are based in the US: </a:t>
+            </a:r>
+            <a:r>
+              <a:rPr>
+                <a:hlinkClick r:id="rId3"/>
+              </a:rPr>
+              <a:t>www.qualtrics.com/support-center</a:t>
             </a:r>
           </a:p>
           <a:p>
@@ -5044,7 +5019,13 @@
             </a:pPr>
             <a:r>
               <a:rPr/>
-              <a:t>In the ‘survey flow’ area, you will see that you can view the blocks in the survey and add a randomizer, that randomly delivers a selection of blocks. Block 1 and 2 are identical in the template, but will be presented in random order for each new participant.</a:t>
+              <a:t>For fast, individualized support over chat, email or a scheduled phone call, please consider using the Support Center. We pay for the services here, but they are based in the US: </a:t>
+            </a:r>
+            <a:r>
+              <a:rPr>
+                <a:hlinkClick r:id="rId4"/>
+              </a:rPr>
+              <a:t>www.qualtrics.com/support-center</a:t>
             </a:r>
           </a:p>
         </p:txBody>
@@ -5076,7 +5057,7 @@
           <p:cNvPr id="2" name="Title 1">
             <a:extLst>
               <a:ext uri="{FF2B5EF4-FFF2-40B4-BE49-F238E27FC236}">
-                <a16:creationId xmlns:a16="http://schemas.microsoft.com/office/drawing/2014/main" id="{DD9B8E45-0772-954C-8D4B-6E6808DFEDED}"/>
+                <a16:creationId xmlns:a16="http://schemas.microsoft.com/office/drawing/2014/main" id="{F3186003-B489-CA46-A95C-C1AECC0CA4D3}"/>
               </a:ext>
             </a:extLst>
           </p:cNvPr>
@@ -5089,8 +5070,8 @@
         </p:nvSpPr>
         <p:spPr>
           <a:xfrm>
-            <a:off x="838200" y="365129"/>
-            <a:ext cx="10002520" cy="1325563"/>
+            <a:off x="839788" y="457200"/>
+            <a:ext cx="3932237" cy="1600200"/>
           </a:xfrm>
           <a:prstGeom prst="rect">
             <a:avLst/>
@@ -5104,26 +5085,26 @@
               <a:buNone/>
             </a:pPr>
             <a:r>
-              <a:rPr/>
-              <a:t>Recoding and Scoring (Massive time savers!)</a:t>
-            </a:r>
-          </a:p>
-        </p:txBody>
-      </p:sp>
-      <p:sp>
-        <p:nvSpPr>
-          <p:cNvPr id="3" name="Content Placeholder 2">
-            <a:extLst>
-              <a:ext uri="{FF2B5EF4-FFF2-40B4-BE49-F238E27FC236}">
-                <a16:creationId xmlns:a16="http://schemas.microsoft.com/office/drawing/2014/main" id="{A4EB24F9-04F1-C843-9D71-56C5C024552B}"/>
-              </a:ext>
-            </a:extLst>
-          </p:cNvPr>
-          <p:cNvSpPr>
-            <a:spLocks noGrp="1"/>
-          </p:cNvSpPr>
-          <p:nvPr>
-            <p:ph idx="1"/>
+              <a:rPr b="1"/>
+              <a:t>Gorilla.sc experimental platform</a:t>
+            </a:r>
+          </a:p>
+        </p:txBody>
+      </p:sp>
+      <p:sp>
+        <p:nvSpPr>
+          <p:cNvPr id="4" name="Text Placeholder 3">
+            <a:extLst>
+              <a:ext uri="{FF2B5EF4-FFF2-40B4-BE49-F238E27FC236}">
+                <a16:creationId xmlns:a16="http://schemas.microsoft.com/office/drawing/2014/main" id="{898BA411-2A54-A94A-B3FC-826281DBEADF}"/>
+              </a:ext>
+            </a:extLst>
+          </p:cNvPr>
+          <p:cNvSpPr>
+            <a:spLocks noGrp="1"/>
+          </p:cNvSpPr>
+          <p:nvPr>
+            <p:ph idx="2" sz="half" type="body"/>
           </p:nvPr>
         </p:nvSpPr>
         <p:spPr/>
@@ -5132,44 +5113,26 @@
           <a:lstStyle/>
           <a:p>
             <a:pPr lvl="0" indent="0" marL="0">
-              <a:spcBef>
-                <a:spcPts val="3000"/>
-              </a:spcBef>
-              <a:buNone/>
-            </a:pPr>
-            <a:r>
-              <a:rPr b="1"/>
-              <a:t>Recode Values</a:t>
-            </a:r>
-          </a:p>
-          <a:p>
-            <a:pPr lvl="0" indent="0" marL="0">
               <a:buNone/>
             </a:pPr>
             <a:r>
               <a:rPr/>
-              <a:t>Once you have set up your survey, it is always a good idea to run a test and export the data to make sure it is in the format that you require. If you notice that the data are not in the format you would most easily use, it may be that you could consider ‘recoding’ the values to make it easier to use.</a:t>
-            </a:r>
-          </a:p>
-          <a:p>
-            <a:pPr lvl="0"/>
+              <a:t>Some of you may be keen to program a task, such as a Stroop Task or a Go/No-Go task. For anything requiring complex presentation of stimuli or data recording accuracies or reaction times, Gorilla would be the most suitable platform to employ. Review some of the tasks they have in their ‘Samples’ collection ready for cloning! </a:t>
+            </a:r>
             <a:r>
               <a:rPr>
                 <a:hlinkClick r:id="rId2"/>
               </a:rPr>
-              <a:t>Recode Values in Qualtrics</a:t>
+              <a:t>https://app.gorilla.sc/support/samples</a:t>
             </a:r>
           </a:p>
           <a:p>
             <a:pPr lvl="0" indent="0" marL="0">
-              <a:spcBef>
-                <a:spcPts val="3000"/>
-              </a:spcBef>
               <a:buNone/>
             </a:pPr>
             <a:r>
               <a:rPr b="1"/>
-              <a:t>Scoring questionnaires</a:t>
+              <a:t>Getting your Gorilla account if you are a new user to the software please follow the below guidance:</a:t>
             </a:r>
           </a:p>
           <a:p>
@@ -5178,20 +5141,55 @@
             </a:pPr>
             <a:r>
               <a:rPr/>
-              <a:t>Scoring can save you LOTS of time, by automatically scoring your questionnaires or subscales of your questionnaires. Consider using this if your measure generates a total score or you are planning on calculating an average etc. It is perfectly easy to calculate these in excel, but it can be done automatically with a little care and preparation.</a:t>
-            </a:r>
-          </a:p>
-          <a:p>
-            <a:pPr lvl="0"/>
+              <a:t>Please go the Gorilla webpage (</a:t>
+            </a:r>
             <a:r>
               <a:rPr>
                 <a:hlinkClick r:id="rId3"/>
               </a:rPr>
-              <a:t>Scoring in Qualtrics</a:t>
-            </a:r>
-          </a:p>
-        </p:txBody>
-      </p:sp>
+              <a:t>https://gorilla.sc/login</a:t>
+            </a:r>
+            <a:r>
+              <a:rPr/>
+              <a:t>), if you don’t already have an account create a new one, at the bottom of STEP 3 - finish, you should find a box called + My institution already has a subscription. Please click on this box (please see an image below for ease) and enter the enrolment code: </a:t>
+            </a:r>
+            <a:r>
+              <a:rPr b="1"/>
+              <a:t>PsychGold</a:t>
+            </a:r>
+          </a:p>
+        </p:txBody>
+      </p:sp>
+      <p:pic>
+        <p:nvPicPr>
+          <p:cNvPr descr="images/Screenshot - Microsoft Word-10-11-000260.png" id="0" name="Picture 1"/>
+          <p:cNvPicPr>
+            <a:picLocks noGrp="1" noChangeAspect="1"/>
+          </p:cNvPicPr>
+          <p:nvPr/>
+        </p:nvPicPr>
+        <p:blipFill>
+          <a:blip r:embed="rId4"/>
+          <a:stretch>
+            <a:fillRect/>
+          </a:stretch>
+        </p:blipFill>
+        <p:spPr bwMode="auto">
+          <a:xfrm>
+            <a:off x="5181600" y="1625600"/>
+            <a:ext cx="6172200" cy="3568700"/>
+          </a:xfrm>
+          <a:prstGeom prst="rect">
+            <a:avLst/>
+          </a:prstGeom>
+          <a:noFill/>
+          <a:ln w="9525">
+            <a:noFill/>
+            <a:headEnd/>
+            <a:tailEnd/>
+          </a:ln>
+        </p:spPr>
+      </p:pic>
     </p:spTree>
   </p:cSld>
 </p:sld>
@@ -5216,74 +5214,118 @@
       </p:grpSpPr>
       <p:sp>
         <p:nvSpPr>
-          <p:cNvPr id="2" name="Title 1">
-            <a:extLst>
-              <a:ext uri="{FF2B5EF4-FFF2-40B4-BE49-F238E27FC236}">
-                <a16:creationId xmlns:a16="http://schemas.microsoft.com/office/drawing/2014/main" id="{DD9B8E45-0772-954C-8D4B-6E6808DFEDED}"/>
-              </a:ext>
-            </a:extLst>
-          </p:cNvPr>
-          <p:cNvSpPr>
-            <a:spLocks noGrp="1"/>
-          </p:cNvSpPr>
-          <p:nvPr>
-            <p:ph type="title"/>
-          </p:nvPr>
-        </p:nvSpPr>
-        <p:spPr>
+          <p:cNvPr id="4" name="Text Placeholder 3">
+            <a:extLst>
+              <a:ext uri="{FF2B5EF4-FFF2-40B4-BE49-F238E27FC236}">
+                <a16:creationId xmlns:a16="http://schemas.microsoft.com/office/drawing/2014/main" id="{898BA411-2A54-A94A-B3FC-826281DBEADF}"/>
+              </a:ext>
+            </a:extLst>
+          </p:cNvPr>
+          <p:cNvSpPr>
+            <a:spLocks noGrp="1"/>
+          </p:cNvSpPr>
+          <p:nvPr>
+            <p:ph idx="2" sz="half" type="body"/>
+          </p:nvPr>
+        </p:nvSpPr>
+        <p:spPr/>
+        <p:txBody>
+          <a:bodyPr/>
+          <a:lstStyle/>
+          <a:p>
+            <a:pPr lvl="0" indent="0" marL="0">
+              <a:spcBef>
+                <a:spcPts val="3000"/>
+              </a:spcBef>
+              <a:buNone/>
+            </a:pPr>
+            <a:r>
+              <a:rPr b="1"/>
+              <a:t>Support pages and other guides to get you started</a:t>
+            </a:r>
+          </a:p>
+          <a:p>
+            <a:pPr lvl="0" indent="0" marL="0">
+              <a:buNone/>
+            </a:pPr>
+            <a:r>
+              <a:rPr/>
+              <a:t>There is a fantastic set of resources available to new users</a:t>
+            </a:r>
+          </a:p>
+          <a:p>
+            <a:pPr lvl="0" indent="0" marL="0">
+              <a:buNone/>
+            </a:pPr>
+            <a:r>
+              <a:rPr>
+                <a:hlinkClick r:id="rId2"/>
+              </a:rPr>
+              <a:t>https://support.gorilla.sc/support/</a:t>
+            </a:r>
+          </a:p>
+          <a:p>
+            <a:pPr lvl="0" indent="0" marL="0">
+              <a:buNone/>
+            </a:pPr>
+            <a:r>
+              <a:rPr/>
+              <a:t>With a ‘Getting Started Guide’ </a:t>
+            </a:r>
+            <a:r>
+              <a:rPr>
+                <a:hlinkClick r:id="rId3"/>
+              </a:rPr>
+              <a:t>https://support.gorilla.sc/support/walkthrough/getting-started</a:t>
+            </a:r>
+          </a:p>
+          <a:p>
+            <a:pPr lvl="0" indent="0" marL="0">
+              <a:buNone/>
+            </a:pPr>
+            <a:r>
+              <a:rPr/>
+              <a:t>And onboarding videos </a:t>
+            </a:r>
+            <a:r>
+              <a:rPr>
+                <a:hlinkClick r:id="rId4"/>
+              </a:rPr>
+              <a:t>https://support.gorilla.sc/support/getstarted</a:t>
+            </a:r>
+          </a:p>
+        </p:txBody>
+      </p:sp>
+      <p:pic>
+        <p:nvPicPr>
+          <p:cNvPr descr="images/Screenshot - Microsoft Word-10-11-000262.png" id="0" name="Picture 1"/>
+          <p:cNvPicPr>
+            <a:picLocks noGrp="1" noChangeAspect="1"/>
+          </p:cNvPicPr>
+          <p:nvPr/>
+        </p:nvPicPr>
+        <p:blipFill>
+          <a:blip r:embed="rId5"/>
+          <a:stretch>
+            <a:fillRect/>
+          </a:stretch>
+        </p:blipFill>
+        <p:spPr bwMode="auto">
           <a:xfrm>
-            <a:off x="838200" y="365129"/>
-            <a:ext cx="10002520" cy="1325563"/>
+            <a:off x="5181600" y="1803400"/>
+            <a:ext cx="6172200" cy="3213100"/>
           </a:xfrm>
           <a:prstGeom prst="rect">
             <a:avLst/>
           </a:prstGeom>
+          <a:noFill/>
+          <a:ln w="9525">
+            <a:noFill/>
+            <a:headEnd/>
+            <a:tailEnd/>
+          </a:ln>
         </p:spPr>
-        <p:txBody>
-          <a:bodyPr/>
-          <a:lstStyle/>
-          <a:p>
-            <a:pPr lvl="0" indent="0" marL="0">
-              <a:buNone/>
-            </a:pPr>
-            <a:r>
-              <a:rPr/>
-              <a:t>Previewing your survey</a:t>
-            </a:r>
-          </a:p>
-        </p:txBody>
-      </p:sp>
-      <p:sp>
-        <p:nvSpPr>
-          <p:cNvPr id="3" name="Content Placeholder 2">
-            <a:extLst>
-              <a:ext uri="{FF2B5EF4-FFF2-40B4-BE49-F238E27FC236}">
-                <a16:creationId xmlns:a16="http://schemas.microsoft.com/office/drawing/2014/main" id="{A4EB24F9-04F1-C843-9D71-56C5C024552B}"/>
-              </a:ext>
-            </a:extLst>
-          </p:cNvPr>
-          <p:cNvSpPr>
-            <a:spLocks noGrp="1"/>
-          </p:cNvSpPr>
-          <p:nvPr>
-            <p:ph idx="1"/>
-          </p:nvPr>
-        </p:nvSpPr>
-        <p:spPr/>
-        <p:txBody>
-          <a:bodyPr/>
-          <a:lstStyle/>
-          <a:p>
-            <a:pPr lvl="0" indent="0" marL="0">
-              <a:buNone/>
-            </a:pPr>
-            <a:r>
-              <a:rPr/>
-              <a:t>If you want to see how a question (or entire survey) looks, use the preview functionality. It will allow you to see what the participant will see – both on a computer and on a mobile device.</a:t>
-            </a:r>
-          </a:p>
-        </p:txBody>
-      </p:sp>
+      </p:pic>
     </p:spTree>
   </p:cSld>
 </p:sld>
@@ -5308,29 +5350,21 @@
       </p:grpSpPr>
       <p:sp>
         <p:nvSpPr>
-          <p:cNvPr id="2" name="Title 1">
-            <a:extLst>
-              <a:ext uri="{FF2B5EF4-FFF2-40B4-BE49-F238E27FC236}">
-                <a16:creationId xmlns:a16="http://schemas.microsoft.com/office/drawing/2014/main" id="{DD9B8E45-0772-954C-8D4B-6E6808DFEDED}"/>
-              </a:ext>
-            </a:extLst>
-          </p:cNvPr>
-          <p:cNvSpPr>
-            <a:spLocks noGrp="1"/>
-          </p:cNvSpPr>
-          <p:nvPr>
-            <p:ph type="title"/>
-          </p:nvPr>
-        </p:nvSpPr>
-        <p:spPr>
-          <a:xfrm>
-            <a:off x="838200" y="365129"/>
-            <a:ext cx="10002520" cy="1325563"/>
-          </a:xfrm>
-          <a:prstGeom prst="rect">
-            <a:avLst/>
-          </a:prstGeom>
-        </p:spPr>
+          <p:cNvPr id="3" name="Content Placeholder 2">
+            <a:extLst>
+              <a:ext uri="{FF2B5EF4-FFF2-40B4-BE49-F238E27FC236}">
+                <a16:creationId xmlns:a16="http://schemas.microsoft.com/office/drawing/2014/main" id="{A4EB24F9-04F1-C843-9D71-56C5C024552B}"/>
+              </a:ext>
+            </a:extLst>
+          </p:cNvPr>
+          <p:cNvSpPr>
+            <a:spLocks noGrp="1"/>
+          </p:cNvSpPr>
+          <p:nvPr>
+            <p:ph idx="1"/>
+          </p:nvPr>
+        </p:nvSpPr>
+        <p:spPr/>
         <p:txBody>
           <a:bodyPr/>
           <a:lstStyle/>
@@ -5339,413 +5373,6 @@
               <a:buNone/>
             </a:pPr>
             <a:r>
-              <a:rPr/>
-              <a:t>Data Export</a:t>
-            </a:r>
-          </a:p>
-        </p:txBody>
-      </p:sp>
-      <p:sp>
-        <p:nvSpPr>
-          <p:cNvPr id="3" name="Content Placeholder 2">
-            <a:extLst>
-              <a:ext uri="{FF2B5EF4-FFF2-40B4-BE49-F238E27FC236}">
-                <a16:creationId xmlns:a16="http://schemas.microsoft.com/office/drawing/2014/main" id="{A4EB24F9-04F1-C843-9D71-56C5C024552B}"/>
-              </a:ext>
-            </a:extLst>
-          </p:cNvPr>
-          <p:cNvSpPr>
-            <a:spLocks noGrp="1"/>
-          </p:cNvSpPr>
-          <p:nvPr>
-            <p:ph idx="1"/>
-          </p:nvPr>
-        </p:nvSpPr>
-        <p:spPr/>
-        <p:txBody>
-          <a:bodyPr/>
-          <a:lstStyle/>
-          <a:p>
-            <a:pPr lvl="0" indent="0" marL="0">
-              <a:buNone/>
-            </a:pPr>
-            <a:r>
-              <a:rPr/>
-              <a:t>It is highly recommended that you test how the data will be exported from your survey, so that you can perfect how you label your questions and how you recode or score your variables. To run a quick ‘data test’ do the following.</a:t>
-            </a:r>
-          </a:p>
-          <a:p>
-            <a:pPr lvl="0" indent="0" marL="0">
-              <a:buNone/>
-            </a:pPr>
-            <a:r>
-              <a:rPr/>
-              <a:t>Click Publish and label the versions ‘Data Test’ and click ‘Publish’ again.</a:t>
-            </a:r>
-          </a:p>
-          <a:p>
-            <a:pPr lvl="0" indent="0" marL="0">
-              <a:buNone/>
-            </a:pPr>
-            <a:r>
-              <a:rPr/>
-              <a:t>Under ‘Distributions’ select ‘Anonymous link’ (which is how you will share your study with participants usually. You can of course produce a QR code or use Bit.ly to shorten the link to make it more attractive. Think about the best way to recruit for your study.</a:t>
-            </a:r>
-          </a:p>
-          <a:p>
-            <a:pPr lvl="0" indent="0" marL="0">
-              <a:buNone/>
-            </a:pPr>
-            <a:r>
-              <a:rPr/>
-              <a:t>Copy the link to your browser and run through the study.</a:t>
-            </a:r>
-          </a:p>
-          <a:p>
-            <a:pPr lvl="0" indent="0" marL="0">
-              <a:buNone/>
-            </a:pPr>
-            <a:r>
-              <a:rPr/>
-              <a:t>Export Data from this menu to a range of useful formats.</a:t>
-            </a:r>
-          </a:p>
-          <a:p>
-            <a:pPr lvl="0" indent="0" marL="0">
-              <a:buNone/>
-            </a:pPr>
-            <a:r>
-              <a:rPr/>
-              <a:t>In Term 2 we will be looking at the data and how to clean it. The most important thing I would advise you to do is to name your blocks and questions clearly, so that this is reflected in the dataset that you download. If you don’t know which question is which, you could come unstuck.</a:t>
-            </a:r>
-          </a:p>
-        </p:txBody>
-      </p:sp>
-    </p:spTree>
-  </p:cSld>
-</p:sld>
-</file>
-
-<file path=ppt/slides/slide14.xml><?xml version="1.0" encoding="utf-8"?>
-<p:sld xmlns:a="http://schemas.openxmlformats.org/drawingml/2006/main" xmlns:r="http://schemas.openxmlformats.org/officeDocument/2006/relationships" xmlns:p="http://schemas.openxmlformats.org/presentationml/2006/main">
-  <p:cSld>
-    <p:spTree>
-      <p:nvGrpSpPr>
-        <p:cNvPr id="1" name=""/>
-        <p:cNvGrpSpPr/>
-        <p:nvPr/>
-      </p:nvGrpSpPr>
-      <p:grpSpPr>
-        <a:xfrm>
-          <a:off x="0" y="0"/>
-          <a:ext cx="0" cy="0"/>
-          <a:chOff x="0" y="0"/>
-          <a:chExt cx="0" cy="0"/>
-        </a:xfrm>
-      </p:grpSpPr>
-      <p:sp>
-        <p:nvSpPr>
-          <p:cNvPr id="2" name="Title 1">
-            <a:extLst>
-              <a:ext uri="{FF2B5EF4-FFF2-40B4-BE49-F238E27FC236}">
-                <a16:creationId xmlns:a16="http://schemas.microsoft.com/office/drawing/2014/main" id="{DD9B8E45-0772-954C-8D4B-6E6808DFEDED}"/>
-              </a:ext>
-            </a:extLst>
-          </p:cNvPr>
-          <p:cNvSpPr>
-            <a:spLocks noGrp="1"/>
-          </p:cNvSpPr>
-          <p:nvPr>
-            <p:ph type="title"/>
-          </p:nvPr>
-        </p:nvSpPr>
-        <p:spPr>
-          <a:xfrm>
-            <a:off x="838200" y="365129"/>
-            <a:ext cx="10002520" cy="1325563"/>
-          </a:xfrm>
-          <a:prstGeom prst="rect">
-            <a:avLst/>
-          </a:prstGeom>
-        </p:spPr>
-        <p:txBody>
-          <a:bodyPr/>
-          <a:lstStyle/>
-          <a:p>
-            <a:pPr lvl="0" indent="0" marL="0">
-              <a:buNone/>
-            </a:pPr>
-            <a:r>
-              <a:rPr/>
-              <a:t>Collaborate your survey with colleagues</a:t>
-            </a:r>
-          </a:p>
-        </p:txBody>
-      </p:sp>
-      <p:sp>
-        <p:nvSpPr>
-          <p:cNvPr id="3" name="Content Placeholder 2">
-            <a:extLst>
-              <a:ext uri="{FF2B5EF4-FFF2-40B4-BE49-F238E27FC236}">
-                <a16:creationId xmlns:a16="http://schemas.microsoft.com/office/drawing/2014/main" id="{A4EB24F9-04F1-C843-9D71-56C5C024552B}"/>
-              </a:ext>
-            </a:extLst>
-          </p:cNvPr>
-          <p:cNvSpPr>
-            <a:spLocks noGrp="1"/>
-          </p:cNvSpPr>
-          <p:nvPr>
-            <p:ph idx="1"/>
-          </p:nvPr>
-        </p:nvSpPr>
-        <p:spPr/>
-        <p:txBody>
-          <a:bodyPr/>
-          <a:lstStyle/>
-          <a:p>
-            <a:pPr lvl="0" indent="0" marL="0">
-              <a:buNone/>
-            </a:pPr>
-            <a:r>
-              <a:rPr/>
-              <a:t>If you wish to share your survey with your group and work on it together, you can ‘Collaborate’ the project. It’s like using a shared document. You can monitor versions in case you make a mistake, but remember to ‘Publish’ if you want to over-write any changes you make! You can find this in the ‘Tools’ menu and you will need to use your colleagues’ Goldsmiths email addresses AND they will need to have a Goldsmiths Qualtrics account too.</a:t>
-            </a:r>
-          </a:p>
-          <a:p>
-            <a:pPr lvl="0" indent="0" marL="0">
-              <a:buNone/>
-            </a:pPr>
-            <a:r>
-              <a:rPr/>
-              <a:t>For More Information the Qualtrics website includes comprehensive and easy-to-follow help documentation as mentioned above. Tutorials, webinars and detailed directions are available via Qualtrics’ extensive online resource, Qualtrics Support. </a:t>
-            </a:r>
-            <a:r>
-              <a:rPr>
-                <a:hlinkClick r:id="rId2"/>
-              </a:rPr>
-              <a:t>www.qualtrics.com/support</a:t>
-            </a:r>
-          </a:p>
-          <a:p>
-            <a:pPr lvl="0" indent="0" marL="0">
-              <a:buNone/>
-            </a:pPr>
-            <a:r>
-              <a:rPr/>
-              <a:t>For fast, individualized support over chat, email or a scheduled phone call, please consider using the Support Center. We pay for the services here, but they are based in the US: </a:t>
-            </a:r>
-            <a:r>
-              <a:rPr>
-                <a:hlinkClick r:id="rId3"/>
-              </a:rPr>
-              <a:t>www.qualtrics.com/support-center</a:t>
-            </a:r>
-          </a:p>
-          <a:p>
-            <a:pPr lvl="0" indent="0" marL="0">
-              <a:buNone/>
-            </a:pPr>
-            <a:r>
-              <a:rPr/>
-              <a:t>For fast, individualized support over chat, email or a scheduled phone call, please consider using the Support Center. We pay for the services here, but they are based in the US: </a:t>
-            </a:r>
-            <a:r>
-              <a:rPr>
-                <a:hlinkClick r:id="rId4"/>
-              </a:rPr>
-              <a:t>www.qualtrics.com/support-center</a:t>
-            </a:r>
-          </a:p>
-          <a:p>
-            <a:pPr lvl="0" indent="0" marL="0">
-              <a:buNone/>
-            </a:pPr>
-            <a:r>
-              <a:rPr b="1"/>
-              <a:t>Gorilla.sc experimental platform</a:t>
-            </a:r>
-          </a:p>
-          <a:p>
-            <a:pPr lvl="0" indent="0" marL="0">
-              <a:buNone/>
-            </a:pPr>
-            <a:r>
-              <a:rPr/>
-              <a:t>Some of you may be keen to program a task, such as a Stroop Task or a Go/No-Go task. For anything requiring complex presentation of stimuli or data recording accuracies or reaction times, Gorilla would be the most suitable platform to employ. Review some of the tasks they have in their ‘Samples’ collection ready for cloning! </a:t>
-            </a:r>
-            <a:r>
-              <a:rPr>
-                <a:hlinkClick r:id="rId5"/>
-              </a:rPr>
-              <a:t>https://app.gorilla.sc/support/samples</a:t>
-            </a:r>
-          </a:p>
-          <a:p>
-            <a:pPr lvl="0" indent="0" marL="0">
-              <a:buNone/>
-            </a:pPr>
-            <a:r>
-              <a:rPr b="1"/>
-              <a:t>Getting your Gorilla account if you are a new user to the software please follow the below guidance:</a:t>
-            </a:r>
-          </a:p>
-          <a:p>
-            <a:pPr lvl="0" indent="0" marL="0">
-              <a:buNone/>
-            </a:pPr>
-            <a:r>
-              <a:rPr/>
-              <a:t>Please go the Gorilla webpage (</a:t>
-            </a:r>
-            <a:r>
-              <a:rPr>
-                <a:hlinkClick r:id="rId6"/>
-              </a:rPr>
-              <a:t>https://gorilla.sc/login</a:t>
-            </a:r>
-            <a:r>
-              <a:rPr/>
-              <a:t>), if you don’t already have an account create a new one, at the bottom of STEP 3 - finish, you should find a box called + My institution already has a subscription. Please click on this box (please see an image below for ease) and enter the enrolment code: PsychGold</a:t>
-            </a:r>
-          </a:p>
-        </p:txBody>
-      </p:sp>
-    </p:spTree>
-  </p:cSld>
-</p:sld>
-</file>
-
-<file path=ppt/slides/slide15.xml><?xml version="1.0" encoding="utf-8"?>
-<p:sld xmlns:a="http://schemas.openxmlformats.org/drawingml/2006/main" xmlns:r="http://schemas.openxmlformats.org/officeDocument/2006/relationships" xmlns:p="http://schemas.openxmlformats.org/presentationml/2006/main">
-  <p:cSld>
-    <p:spTree>
-      <p:nvGrpSpPr>
-        <p:cNvPr id="1" name=""/>
-        <p:cNvGrpSpPr/>
-        <p:nvPr/>
-      </p:nvGrpSpPr>
-      <p:grpSpPr>
-        <a:xfrm>
-          <a:off x="0" y="0"/>
-          <a:ext cx="0" cy="0"/>
-          <a:chOff x="0" y="0"/>
-          <a:chExt cx="0" cy="0"/>
-        </a:xfrm>
-      </p:grpSpPr>
-      <p:sp>
-        <p:nvSpPr>
-          <p:cNvPr id="2" name="Title 1">
-            <a:extLst>
-              <a:ext uri="{FF2B5EF4-FFF2-40B4-BE49-F238E27FC236}">
-                <a16:creationId xmlns:a16="http://schemas.microsoft.com/office/drawing/2014/main" id="{DD9B8E45-0772-954C-8D4B-6E6808DFEDED}"/>
-              </a:ext>
-            </a:extLst>
-          </p:cNvPr>
-          <p:cNvSpPr>
-            <a:spLocks noGrp="1"/>
-          </p:cNvSpPr>
-          <p:nvPr>
-            <p:ph type="title"/>
-          </p:nvPr>
-        </p:nvSpPr>
-        <p:spPr>
-          <a:xfrm>
-            <a:off x="838200" y="365129"/>
-            <a:ext cx="10002520" cy="1325563"/>
-          </a:xfrm>
-          <a:prstGeom prst="rect">
-            <a:avLst/>
-          </a:prstGeom>
-        </p:spPr>
-        <p:txBody>
-          <a:bodyPr/>
-          <a:lstStyle/>
-          <a:p>
-            <a:pPr lvl="0" indent="0" marL="0">
-              <a:buNone/>
-            </a:pPr>
-            <a:r>
-              <a:rPr b="1"/>
-              <a:t>Support pages and other guides to get you started</a:t>
-            </a:r>
-          </a:p>
-        </p:txBody>
-      </p:sp>
-      <p:sp>
-        <p:nvSpPr>
-          <p:cNvPr id="3" name="Content Placeholder 2">
-            <a:extLst>
-              <a:ext uri="{FF2B5EF4-FFF2-40B4-BE49-F238E27FC236}">
-                <a16:creationId xmlns:a16="http://schemas.microsoft.com/office/drawing/2014/main" id="{A4EB24F9-04F1-C843-9D71-56C5C024552B}"/>
-              </a:ext>
-            </a:extLst>
-          </p:cNvPr>
-          <p:cNvSpPr>
-            <a:spLocks noGrp="1"/>
-          </p:cNvSpPr>
-          <p:nvPr>
-            <p:ph idx="1"/>
-          </p:nvPr>
-        </p:nvSpPr>
-        <p:spPr/>
-        <p:txBody>
-          <a:bodyPr/>
-          <a:lstStyle/>
-          <a:p>
-            <a:pPr lvl="0" indent="0" marL="0">
-              <a:buNone/>
-            </a:pPr>
-            <a:r>
-              <a:rPr/>
-              <a:t>There is a fantastic set of resources available to new users</a:t>
-            </a:r>
-          </a:p>
-          <a:p>
-            <a:pPr lvl="0" indent="0" marL="0">
-              <a:buNone/>
-            </a:pPr>
-            <a:r>
-              <a:rPr>
-                <a:hlinkClick r:id="rId2"/>
-              </a:rPr>
-              <a:t>https://support.gorilla.sc/support/</a:t>
-            </a:r>
-          </a:p>
-          <a:p>
-            <a:pPr lvl="0" indent="0" marL="0">
-              <a:buNone/>
-            </a:pPr>
-            <a:r>
-              <a:rPr/>
-              <a:t>With a ‘Getting Started Guide’ </a:t>
-            </a:r>
-            <a:r>
-              <a:rPr>
-                <a:hlinkClick r:id="rId3"/>
-              </a:rPr>
-              <a:t>https://support.gorilla.sc/support/walkthrough/getting-started</a:t>
-            </a:r>
-          </a:p>
-          <a:p>
-            <a:pPr lvl="0" indent="0" marL="0">
-              <a:buNone/>
-            </a:pPr>
-            <a:r>
-              <a:rPr/>
-              <a:t>And onboarding videos </a:t>
-            </a:r>
-            <a:r>
-              <a:rPr>
-                <a:hlinkClick r:id="rId4"/>
-              </a:rPr>
-              <a:t>https://support.gorilla.sc/support/getstarted</a:t>
-            </a:r>
-          </a:p>
-          <a:p>
-            <a:pPr lvl="0" indent="0" marL="0">
-              <a:buNone/>
-            </a:pPr>
-            <a:r>
               <a:rPr b="1"/>
               <a:t>Gordon’s Top Tip: Time spent preparing your materials really pays off – in terms of time, data quality and confidence!</a:t>
             </a:r>
@@ -5765,7 +5392,7 @@
             </a:pPr>
             <a:r>
               <a:rPr/>
-              <a:t>Some of your studies may comprise questionnaire measures and other demographic or participant details. Some may involve more complex behavioural tasks. In both situations, you will be developing online materials to collect your data.</a:t>
+              <a:t>Some of your studies may comprise questionnaire measures and other demographic or participant details. Some may involve more complex behavioural tasks. Even in person studies might benefit from using Qualtrics or a computerised task.</a:t>
             </a:r>
           </a:p>
           <a:p>
@@ -5801,7 +5428,7 @@
             </a:pPr>
             <a:r>
               <a:rPr/>
-              <a:t>Take the time to label your questions clearly and verify the data outputs in an intelligible format. We will cover this in Lab 9, to ensure it’s a smooth process! Take the time to recode variables into output that you can use easily. And use ‘Scoring’ to give you automatically produced means, totals and subscales wherever possible. It will save you time and worry in Term 2!</a:t>
+              <a:t>Take the time to label your questions clearly and verify the data outputs in an intelligible format. We will cover this in later labs, but why not poke around in advance and ensure it’s a smooth process! Take the time to recode variables into output that you can use easily. And use ‘Scoring’ to give you automatically produced means, totals and subscales wherever possible. It will save you time and worry in Term 2!</a:t>
             </a:r>
           </a:p>
           <a:p>
@@ -5828,7 +5455,7 @@
             </a:pPr>
             <a:r>
               <a:rPr/>
-              <a:t>You might think that something like Qualtrics isn’t a hugely valuable skill to learn. Well, in the vast majority of cases you’ll use it next year for your Final Year Dissertation, and being confident doing that is worthwhile in itself.</a:t>
+              <a:t>You might think that something like Qualtrics isn’t a hugely valuable skill to learn. Well, in a high proportion of cases you’ll use it next year for your Final Year Dissertation, and being confident doing that is worthwhile in itself.</a:t>
             </a:r>
           </a:p>
           <a:p>
@@ -5923,7 +5550,7 @@
           <p:cNvPr id="2" name="Title 1">
             <a:extLst>
               <a:ext uri="{FF2B5EF4-FFF2-40B4-BE49-F238E27FC236}">
-                <a16:creationId xmlns:a16="http://schemas.microsoft.com/office/drawing/2014/main" id="{FF6A6CB2-D1B6-B94A-84C1-83C65423C650}"/>
+                <a16:creationId xmlns:a16="http://schemas.microsoft.com/office/drawing/2014/main" id="{F3186003-B489-CA46-A95C-C1AECC0CA4D3}"/>
               </a:ext>
             </a:extLst>
           </p:cNvPr>
@@ -5936,8 +5563,8 @@
         </p:nvSpPr>
         <p:spPr>
           <a:xfrm>
-            <a:off x="831851" y="1709742"/>
-            <a:ext cx="10515600" cy="2852737"/>
+            <a:off x="839788" y="457200"/>
+            <a:ext cx="3932237" cy="1600200"/>
           </a:xfrm>
           <a:prstGeom prst="rect">
             <a:avLst/>
@@ -5952,11 +5579,555 @@
             </a:pPr>
             <a:r>
               <a:rPr/>
-              <a:t>Starting Developing Your Studies and Online Research Platforms (Qualtrics and Gorilla)</a:t>
-            </a:r>
-          </a:p>
-        </p:txBody>
-      </p:sp>
+              <a:t>Starting Developing Your Studies</a:t>
+            </a:r>
+          </a:p>
+        </p:txBody>
+      </p:sp>
+      <p:sp>
+        <p:nvSpPr>
+          <p:cNvPr id="4" name="Text Placeholder 3">
+            <a:extLst>
+              <a:ext uri="{FF2B5EF4-FFF2-40B4-BE49-F238E27FC236}">
+                <a16:creationId xmlns:a16="http://schemas.microsoft.com/office/drawing/2014/main" id="{898BA411-2A54-A94A-B3FC-826281DBEADF}"/>
+              </a:ext>
+            </a:extLst>
+          </p:cNvPr>
+          <p:cNvSpPr>
+            <a:spLocks noGrp="1"/>
+          </p:cNvSpPr>
+          <p:nvPr>
+            <p:ph idx="2" sz="half" type="body"/>
+          </p:nvPr>
+        </p:nvSpPr>
+        <p:spPr/>
+        <p:txBody>
+          <a:bodyPr/>
+          <a:lstStyle/>
+          <a:p>
+            <a:pPr lvl="0" indent="0" marL="0">
+              <a:spcBef>
+                <a:spcPts val="3000"/>
+              </a:spcBef>
+              <a:buNone/>
+            </a:pPr>
+            <a:r>
+              <a:rPr b="1"/>
+              <a:t>By the end of the session, you will have:</a:t>
+            </a:r>
+          </a:p>
+          <a:p>
+            <a:pPr lvl="0"/>
+            <a:r>
+              <a:rPr/>
+              <a:t>Worked together in your groups to determine next steps in your studies; specifically, materials that are shared, and those that are individual to you. This will allow you to divide and conquer!</a:t>
+            </a:r>
+          </a:p>
+          <a:p>
+            <a:pPr lvl="0"/>
+            <a:r>
+              <a:rPr/>
+              <a:t>Registered for a Goldsmiths Qualtrics account.</a:t>
+            </a:r>
+          </a:p>
+          <a:p>
+            <a:pPr lvl="0"/>
+            <a:r>
+              <a:rPr/>
+              <a:t>Opened the ‘Mini-Dissertation Qualtrics Template’ in your account.</a:t>
+            </a:r>
+          </a:p>
+          <a:p>
+            <a:pPr lvl="0"/>
+            <a:r>
+              <a:rPr/>
+              <a:t>Started editing the template according to your needs.</a:t>
+            </a:r>
+          </a:p>
+          <a:p>
+            <a:pPr lvl="0"/>
+            <a:r>
+              <a:rPr/>
+              <a:t>Considered randomizing blocks in your survey to avoid order effects.</a:t>
+            </a:r>
+          </a:p>
+          <a:p>
+            <a:pPr lvl="0"/>
+            <a:r>
+              <a:rPr/>
+              <a:t>Set up scoring to save you time computing scores.</a:t>
+            </a:r>
+          </a:p>
+          <a:p>
+            <a:pPr lvl="0"/>
+            <a:r>
+              <a:rPr/>
+              <a:t>If your study requires complex stimulus presentation or reaction times, you’ll want to use Gorilla. A brief overview of valuable resources is available.</a:t>
+            </a:r>
+          </a:p>
+          <a:p>
+            <a:pPr lvl="0" indent="0" marL="0">
+              <a:buNone/>
+            </a:pPr>
+            <a:r>
+              <a:rPr/>
+              <a:t>Work with your group to identify which elements of your study (measures, questionnaires, tasks) are shared and which are individual. This will allow you to start considering how to combine your energies to best effect in developing materials.</a:t>
+            </a:r>
+          </a:p>
+          <a:p>
+            <a:pPr lvl="0" indent="0" marL="0">
+              <a:buNone/>
+            </a:pPr>
+            <a:r>
+              <a:rPr/>
+              <a:t>Most, if not all, of you, will use Qualtrics. There are some useful tools and tips to help you get up and running. Import the Mini-Dissertation Template and get to work building your study. For more complex tasks, Gorilla will be what you need.</a:t>
+            </a:r>
+          </a:p>
+          <a:p>
+            <a:pPr lvl="0" indent="0" marL="0">
+              <a:buNone/>
+            </a:pPr>
+            <a:r>
+              <a:rPr/>
+              <a:t>Gordon’s Top Tip: Time spent preparing your materials really pays off – in terms of time, data quality, and confidence!</a:t>
+            </a:r>
+          </a:p>
+          <a:p>
+            <a:pPr lvl="0" indent="0" marL="0">
+              <a:spcBef>
+                <a:spcPts val="3000"/>
+              </a:spcBef>
+              <a:buNone/>
+            </a:pPr>
+            <a:r>
+              <a:rPr b="1"/>
+              <a:t>Working Out How to Start Developing Your Study</a:t>
+            </a:r>
+          </a:p>
+          <a:p>
+            <a:pPr lvl="0" indent="-257175" marL="257175">
+              <a:buAutoNum type="arabicPeriod"/>
+            </a:pPr>
+            <a:r>
+              <a:rPr b="1"/>
+              <a:t>Moving towards your individual research question:</a:t>
+            </a:r>
+            <a:r>
+              <a:rPr/>
+              <a:t> In your groups, and with your Critical Proposals in mind, discuss your projects. Do you all still agree on your original research question or how you thought you’d explore it? Have your ideas developed in any way? List your preferred IVs, DVs, and methodologies and compare notes. Look out for similarities and differences.</a:t>
+            </a:r>
+          </a:p>
+          <a:p>
+            <a:pPr lvl="1" indent="0" marL="257175">
+              <a:buNone/>
+            </a:pPr>
+            <a:r>
+              <a:rPr/>
+              <a:t>It is normal that your approaches or interests may diverge a little as a result of your critical evaluations. This is great. If not, that’s fine too. The design of your individual Mini-Dissertation needs to be slightly different from your collaborators, so you can pursue your interests if they differ somewhat.</a:t>
+            </a:r>
+          </a:p>
+          <a:p>
+            <a:pPr lvl="1" indent="0" marL="257175">
+              <a:buNone/>
+            </a:pPr>
+            <a:r>
+              <a:rPr/>
+              <a:t>Exploring different personality traits is a nice way to find distinctive IVs. If you are presenting stimulus materials, you could present different types, classes, or categories. An exploration of memory may include familiar or unfamiliar words, short or long words, or focus on another type of stimulus, such as numbers or shapes, different presentation durations, or recall delays. Or you could use different DVs, such as accuracy/error rate, or reaction time, or confidence; all interesting. If you are looking at life-outcomes as a DV (as many of you are), these can vary by domain (e.g. work or home-life) or how you quantify them; how do you quantify success or happiness or health? It may initially seem quite tricky to see how this might work, but your lab tutor is on hand to help!</a:t>
+            </a:r>
+          </a:p>
+          <a:p>
+            <a:pPr lvl="0" indent="-257175" marL="257175">
+              <a:buAutoNum type="arabicPeriod"/>
+            </a:pPr>
+            <a:r>
+              <a:rPr b="1"/>
+              <a:t>Sharing the workload:</a:t>
+            </a:r>
+            <a:r>
+              <a:rPr/>
+              <a:t> Following on from the question above, is there a ‘central’ task, measure, or stimulus-set in your project that potentially requires more effort to find or build? Does some aspect of your project involve the selection or creation of stimulus material?</a:t>
+            </a:r>
+          </a:p>
+          <a:p>
+            <a:pPr lvl="1" indent="0" marL="257175">
+              <a:buNone/>
+            </a:pPr>
+            <a:r>
+              <a:rPr/>
+              <a:t>This might be a good thing to develop as a group, allowing you to make it as effective as possible. This is likely the core of your methods section and worth making fabulous. You can then duplicate this component and break into smaller groups to tailor it and collect the data if you need to or want to. But by working together as much as possible, you can refine this component and make it as accurate and impressive as possible with relative ease.</a:t>
+            </a:r>
+          </a:p>
+          <a:p>
+            <a:pPr lvl="0" indent="0" marL="0">
+              <a:spcBef>
+                <a:spcPts val="3000"/>
+              </a:spcBef>
+              <a:buNone/>
+            </a:pPr>
+            <a:r>
+              <a:rPr b="1"/>
+              <a:t>Opening a Goldsmiths Qualtrics Account</a:t>
+            </a:r>
+          </a:p>
+          <a:p>
+            <a:pPr lvl="0" indent="-257175" marL="257175">
+              <a:buAutoNum type="arabicPeriod"/>
+            </a:pPr>
+            <a:r>
+              <a:rPr/>
+              <a:t>Please go to this link: </a:t>
+            </a:r>
+            <a:r>
+              <a:rPr>
+                <a:hlinkClick r:id="rId2"/>
+              </a:rPr>
+              <a:t>Goldsmiths Qualtrics</a:t>
+            </a:r>
+          </a:p>
+          <a:p>
+            <a:pPr lvl="0" indent="-257175" marL="257175">
+              <a:buAutoNum type="arabicPeriod"/>
+            </a:pPr>
+            <a:r>
+              <a:rPr/>
+              <a:t>Use your college email address and password. To get the full functionality, you MUST use your college login.</a:t>
+            </a:r>
+          </a:p>
+          <a:p>
+            <a:pPr lvl="1" indent="0" marL="257175">
+              <a:buNone/>
+            </a:pPr>
+          </a:p>
+          <a:p>
+            <a:pPr lvl="0" indent="-257175" marL="257175">
+              <a:buAutoNum type="arabicPeriod"/>
+            </a:pPr>
+            <a:r>
+              <a:rPr/>
+              <a:t>If you accidentally set up a trial account, or use a different email, it can take 3 weeks to change. Follow these instructions on the VLE: </a:t>
+            </a:r>
+            <a:r>
+              <a:rPr>
+                <a:hlinkClick r:id="rId3"/>
+              </a:rPr>
+              <a:t>VLE Instructions</a:t>
+            </a:r>
+          </a:p>
+          <a:p>
+            <a:pPr lvl="0" indent="-257175" marL="257175">
+              <a:buAutoNum type="arabicPeriod"/>
+            </a:pPr>
+            <a:r>
+              <a:rPr/>
+              <a:t>You will know if you have been successful if, when you log in, the URL starts with goldpsych.eu.qualtrics.com.</a:t>
+            </a:r>
+          </a:p>
+          <a:p>
+            <a:pPr lvl="0" indent="0" marL="0">
+              <a:spcBef>
+                <a:spcPts val="3000"/>
+              </a:spcBef>
+              <a:buNone/>
+            </a:pPr>
+            <a:r>
+              <a:rPr b="1"/>
+              <a:t>Importing the Mini-Dissertation Template</a:t>
+            </a:r>
+          </a:p>
+          <a:p>
+            <a:pPr lvl="0" indent="-257175" marL="257175">
+              <a:buAutoNum type="arabicPeriod"/>
+            </a:pPr>
+            <a:r>
+              <a:rPr/>
+              <a:t>Download the Mini-Dissertation Qualtrics Template </a:t>
+            </a:r>
+            <a:r>
+              <a:rPr>
+                <a:hlinkClick r:id="rId4"/>
+              </a:rPr>
+              <a:t>HERE</a:t>
+            </a:r>
+            <a:r>
+              <a:rPr/>
+              <a:t> or from the VLE page.</a:t>
+            </a:r>
+          </a:p>
+          <a:p>
+            <a:pPr lvl="0" indent="-257175" marL="257175">
+              <a:buAutoNum type="arabicPeriod"/>
+            </a:pPr>
+            <a:r>
+              <a:rPr/>
+              <a:t>It will be a .qsf file, native to Qualtrics, and will only open in Qualtrics.</a:t>
+            </a:r>
+          </a:p>
+          <a:p>
+            <a:pPr lvl="0" indent="-257175" marL="257175">
+              <a:buAutoNum type="arabicPeriod"/>
+            </a:pPr>
+            <a:r>
+              <a:rPr/>
+              <a:t>To use the template, on the Homepage, click on ‘Create a new project’, select ‘Survey’, and ‘Get started’.</a:t>
+            </a:r>
+          </a:p>
+          <a:p>
+            <a:pPr lvl="1" indent="0" marL="257175">
+              <a:buNone/>
+            </a:pPr>
+          </a:p>
+          <a:p>
+            <a:pPr lvl="0" indent="-257175" marL="257175">
+              <a:buAutoNum type="arabicPeriod"/>
+            </a:pPr>
+            <a:r>
+              <a:rPr/>
+              <a:t>Give your project a preliminary name (this can be changed later) and choose ‘Import a QSF file’ from the ‘How you want to start’ dropdown.</a:t>
+            </a:r>
+          </a:p>
+          <a:p>
+            <a:pPr lvl="1" indent="0" marL="257175">
+              <a:buNone/>
+            </a:pPr>
+          </a:p>
+          <a:p>
+            <a:pPr lvl="0" indent="-257175" marL="257175">
+              <a:buAutoNum type="arabicPeriod"/>
+            </a:pPr>
+            <a:r>
+              <a:rPr/>
+              <a:t>Find the .qsf file you downloaded earlier using the ‘Choose file’ finder and then click ‘Create project’.</a:t>
+            </a:r>
+          </a:p>
+          <a:p>
+            <a:pPr lvl="0" indent="-257175" marL="257175">
+              <a:buAutoNum type="arabicPeriod"/>
+            </a:pPr>
+            <a:r>
+              <a:rPr/>
+              <a:t>You will likely be offered the option to ‘Take a tour’ of the Survey Builder. It takes two minutes and shows you how to change settings and to edit questions.</a:t>
+            </a:r>
+          </a:p>
+          <a:p>
+            <a:pPr lvl="1" indent="0" marL="257175">
+              <a:buNone/>
+            </a:pPr>
+          </a:p>
+          <a:p>
+            <a:pPr lvl="0" indent="0" marL="0">
+              <a:spcBef>
+                <a:spcPts val="3000"/>
+              </a:spcBef>
+              <a:buNone/>
+            </a:pPr>
+            <a:r>
+              <a:rPr b="1"/>
+              <a:t>The Template</a:t>
+            </a:r>
+          </a:p>
+          <a:p>
+            <a:pPr lvl="0" indent="0" marL="0">
+              <a:buNone/>
+            </a:pPr>
+            <a:r>
+              <a:rPr/>
+              <a:t>Please notice that, over and above the survey questions, the template includes four important elements; 1) an Information Sheet outlining the study, 2) Informed Consent, 3) GDPR, and 4) a Debrief delivered at the end of the survey.</a:t>
+            </a:r>
+          </a:p>
+          <a:p>
+            <a:pPr lvl="0" indent="0" marL="0">
+              <a:buNone/>
+            </a:pPr>
+            <a:r>
+              <a:rPr/>
+              <a:t>You are required to submit copies of the information you supply in these sections in word doc format with your Ethics Application for storage on file. Simply copy the content in the relevant sections of your Qualtrics survey into 4 separate word documents for submission.</a:t>
+            </a:r>
+          </a:p>
+          <a:p>
+            <a:pPr lvl="0" indent="0" marL="0">
+              <a:buNone/>
+            </a:pPr>
+            <a:r>
+              <a:rPr/>
+              <a:t>NB: If you run an experiment in person (this year OR next), you will be required to give each participant a hard copy of all of these documents and retain a signed Consent Form for your records. The process of developing these materials is valuable preparation - please be involved.</a:t>
+            </a:r>
+          </a:p>
+          <a:p>
+            <a:pPr lvl="0" indent="0" marL="0">
+              <a:buNone/>
+            </a:pPr>
+            <a:r>
+              <a:rPr/>
+              <a:t>Once you’ve created your survey, you’re ready to start building. This page outlines how to add, delete, copy, and edit multiple questions in the Survey tab to build your required functionality. The Qualtrics help is extremely useful and gives extensive, easily-navigable help.</a:t>
+            </a:r>
+          </a:p>
+          <a:p>
+            <a:pPr lvl="0" indent="0" marL="0">
+              <a:buNone/>
+            </a:pPr>
+            <a:r>
+              <a:rPr/>
+              <a:t>For example, you will want to add new questions into the body of the survey, corresponding with demographic information or a psychometric measure or questionnaire you have found.</a:t>
+            </a:r>
+          </a:p>
+          <a:p>
+            <a:pPr lvl="0" indent="0" marL="0">
+              <a:spcBef>
+                <a:spcPts val="3000"/>
+              </a:spcBef>
+              <a:buNone/>
+            </a:pPr>
+            <a:r>
+              <a:rPr b="1"/>
+              <a:t>New Questions in your Survey</a:t>
+            </a:r>
+          </a:p>
+          <a:p>
+            <a:pPr lvl="0" indent="0" marL="0">
+              <a:buNone/>
+            </a:pPr>
+            <a:r>
+              <a:rPr/>
+              <a:t>This page is very useful to help select the best question type. There are many types, but you will find Matrix Tables, Multiple Choice, and Sliders particularly useful. You can present images, media and text by using the Text/Graphic options and Rich Text Editor.</a:t>
+            </a:r>
+          </a:p>
+          <a:p>
+            <a:pPr lvl="0"/>
+            <a:r>
+              <a:rPr>
+                <a:hlinkClick r:id="rId5"/>
+              </a:rPr>
+              <a:t>Creating New Questions in Qualtrics</a:t>
+            </a:r>
+          </a:p>
+          <a:p>
+            <a:pPr lvl="0" indent="0" marL="0">
+              <a:buNone/>
+            </a:pPr>
+            <a:r>
+              <a:rPr/>
+              <a:t>Try to make the questions as easy to navigate as possible. Remember to use page breaks to make the flow more enjoyable.</a:t>
+            </a:r>
+          </a:p>
+          <a:p>
+            <a:pPr lvl="0"/>
+            <a:r>
+              <a:rPr>
+                <a:hlinkClick r:id="rId6"/>
+              </a:rPr>
+              <a:t>Adding Page Breaks Manually</a:t>
+            </a:r>
+          </a:p>
+          <a:p>
+            <a:pPr lvl="0" indent="0" marL="0">
+              <a:buNone/>
+            </a:pPr>
+            <a:r>
+              <a:rPr/>
+              <a:t>You can use a Rich Content Editor to include more elaborate instructions and adding media or graphics. You can also use hyperlinks to connect to content on the web outside of your questionnaire. You might want to include a downloadable file, such as a debrief form or pdf of some information you think a participant may want to retain. This can be managed via the Rich Content Editor. Making a participant feel like they have learned something can be a powerful reward. Please be careful not to break copyright by sharing materials you haven’t produced yourself. If you propose to include such materials, this should be included in your Ethics Application.</a:t>
+            </a:r>
+          </a:p>
+          <a:p>
+            <a:pPr lvl="0" indent="0" marL="0">
+              <a:spcBef>
+                <a:spcPts val="3000"/>
+              </a:spcBef>
+              <a:buNone/>
+            </a:pPr>
+            <a:r>
+              <a:rPr b="1"/>
+              <a:t>Important safety and ethics considerations</a:t>
+            </a:r>
+          </a:p>
+          <a:p>
+            <a:pPr lvl="0" indent="0" marL="0">
+              <a:buNone/>
+            </a:pPr>
+            <a:r>
+              <a:rPr/>
+              <a:t>Please only use your Goldsmiths Email address when running research and if you give your own details ALWAYS supply those of your Lab Tutor or the Module Coordinator. This affords you some protection and allows us to help deal with any questions.</a:t>
+            </a:r>
+          </a:p>
+          <a:p>
+            <a:pPr lvl="0" indent="0" marL="0">
+              <a:buNone/>
+            </a:pPr>
+            <a:r>
+              <a:rPr/>
+              <a:t>It is important that you clearly outline recruitment strategies in your ethic application (i.e. how you propose to recruit and where you share your task) and you must ONLY share an approved task.</a:t>
+            </a:r>
+          </a:p>
+          <a:p>
+            <a:pPr lvl="0" indent="0" marL="0">
+              <a:spcBef>
+                <a:spcPts val="3000"/>
+              </a:spcBef>
+              <a:buNone/>
+            </a:pPr>
+            <a:r>
+              <a:rPr b="1"/>
+              <a:t>Block Options and randomisation</a:t>
+            </a:r>
+          </a:p>
+          <a:p>
+            <a:pPr lvl="0"/>
+            <a:r>
+              <a:rPr>
+                <a:hlinkClick r:id="rId7"/>
+              </a:rPr>
+              <a:t>Block Options and Randomization</a:t>
+            </a:r>
+          </a:p>
+          <a:p>
+            <a:pPr lvl="0" indent="0" marL="0">
+              <a:buNone/>
+            </a:pPr>
+            <a:r>
+              <a:rPr/>
+              <a:t>Sets of questions (or entire questionnaires) can be set up as ‘blocks’ within your survey. If you wish to randomize these blocks, you can, meaning that you can randomly shuffle the sequence of presentation. This is an important feature that you may wish to consider using. Obviously, the information and informed consent will need to remain at the start and the debrief needs to always be the last block presented.</a:t>
+            </a:r>
+          </a:p>
+          <a:p>
+            <a:pPr lvl="0" indent="0" marL="0">
+              <a:buNone/>
+            </a:pPr>
+            <a:r>
+              <a:rPr/>
+              <a:t>In the ‘survey flow’ area, you will see that you can view the blocks in the survey and add a randomizer, that randomly delivers a selection of blocks. Block 1 and 2 are identical in the template, but will be presented in random order for each new participant.</a:t>
+            </a:r>
+          </a:p>
+        </p:txBody>
+      </p:sp>
+      <p:pic>
+        <p:nvPicPr>
+          <p:cNvPr descr="images/Screenshot - Microsoft Word-10-11-000242.png" id="0" name="Picture 1"/>
+          <p:cNvPicPr>
+            <a:picLocks noGrp="1" noChangeAspect="1"/>
+          </p:cNvPicPr>
+          <p:nvPr/>
+        </p:nvPicPr>
+        <p:blipFill>
+          <a:blip r:embed="rId8"/>
+          <a:stretch>
+            <a:fillRect/>
+          </a:stretch>
+        </p:blipFill>
+        <p:spPr bwMode="auto">
+          <a:xfrm>
+            <a:off x="5181600" y="2032000"/>
+            <a:ext cx="6172200" cy="2743200"/>
+          </a:xfrm>
+          <a:prstGeom prst="rect">
+            <a:avLst/>
+          </a:prstGeom>
+          <a:noFill/>
+          <a:ln w="9525">
+            <a:noFill/>
+            <a:headEnd/>
+            <a:tailEnd/>
+          </a:ln>
+        </p:spPr>
+      </p:pic>
     </p:spTree>
   </p:cSld>
 </p:sld>
@@ -5981,141 +6152,98 @@
       </p:grpSpPr>
       <p:sp>
         <p:nvSpPr>
-          <p:cNvPr id="2" name="Title 1">
-            <a:extLst>
-              <a:ext uri="{FF2B5EF4-FFF2-40B4-BE49-F238E27FC236}">
-                <a16:creationId xmlns:a16="http://schemas.microsoft.com/office/drawing/2014/main" id="{DD9B8E45-0772-954C-8D4B-6E6808DFEDED}"/>
-              </a:ext>
-            </a:extLst>
-          </p:cNvPr>
-          <p:cNvSpPr>
-            <a:spLocks noGrp="1"/>
-          </p:cNvSpPr>
-          <p:nvPr>
-            <p:ph type="title"/>
-          </p:nvPr>
-        </p:nvSpPr>
-        <p:spPr>
+          <p:cNvPr id="4" name="Text Placeholder 3">
+            <a:extLst>
+              <a:ext uri="{FF2B5EF4-FFF2-40B4-BE49-F238E27FC236}">
+                <a16:creationId xmlns:a16="http://schemas.microsoft.com/office/drawing/2014/main" id="{898BA411-2A54-A94A-B3FC-826281DBEADF}"/>
+              </a:ext>
+            </a:extLst>
+          </p:cNvPr>
+          <p:cNvSpPr>
+            <a:spLocks noGrp="1"/>
+          </p:cNvSpPr>
+          <p:nvPr>
+            <p:ph idx="2" sz="half" type="body"/>
+          </p:nvPr>
+        </p:nvSpPr>
+        <p:spPr/>
+        <p:txBody>
+          <a:bodyPr/>
+          <a:lstStyle/>
+          <a:p>
+            <a:pPr lvl="0" indent="0" marL="0">
+              <a:spcBef>
+                <a:spcPts val="3000"/>
+              </a:spcBef>
+              <a:buNone/>
+            </a:pPr>
+            <a:r>
+              <a:rPr b="1"/>
+              <a:t>Recoding and Scoring (Massive time savers!)</a:t>
+            </a:r>
+          </a:p>
+          <a:p>
+            <a:pPr lvl="0" indent="0" marL="0">
+              <a:spcBef>
+                <a:spcPts val="3000"/>
+              </a:spcBef>
+              <a:buNone/>
+            </a:pPr>
+            <a:r>
+              <a:rPr b="1"/>
+              <a:t>Recode Values</a:t>
+            </a:r>
+          </a:p>
+          <a:p>
+            <a:pPr lvl="0" indent="0" marL="0">
+              <a:buNone/>
+            </a:pPr>
+            <a:r>
+              <a:rPr/>
+              <a:t>Once you have set up your survey, it is always a good idea to run a test and export the data to make sure it is in the format that you require. If you notice that the data are not in the format you would most easily use, it may be that you could consider ‘recoding’ the values to make it easier to use.</a:t>
+            </a:r>
+          </a:p>
+          <a:p>
+            <a:pPr lvl="0"/>
+            <a:r>
+              <a:rPr>
+                <a:hlinkClick r:id="rId2"/>
+              </a:rPr>
+              <a:t>Recode Values in Qualtrics</a:t>
+            </a:r>
+          </a:p>
+        </p:txBody>
+      </p:sp>
+      <p:pic>
+        <p:nvPicPr>
+          <p:cNvPr descr="images/Screenshot - Microsoft Word-10-11-000244.png" id="0" name="Picture 1"/>
+          <p:cNvPicPr>
+            <a:picLocks noGrp="1" noChangeAspect="1"/>
+          </p:cNvPicPr>
+          <p:nvPr/>
+        </p:nvPicPr>
+        <p:blipFill>
+          <a:blip r:embed="rId3"/>
+          <a:stretch>
+            <a:fillRect/>
+          </a:stretch>
+        </p:blipFill>
+        <p:spPr bwMode="auto">
           <a:xfrm>
-            <a:off x="838200" y="365129"/>
-            <a:ext cx="10002520" cy="1325563"/>
+            <a:off x="5181600" y="1308100"/>
+            <a:ext cx="6172200" cy="4203700"/>
           </a:xfrm>
           <a:prstGeom prst="rect">
             <a:avLst/>
           </a:prstGeom>
+          <a:noFill/>
+          <a:ln w="9525">
+            <a:noFill/>
+            <a:headEnd/>
+            <a:tailEnd/>
+          </a:ln>
         </p:spPr>
-        <p:txBody>
-          <a:bodyPr/>
-          <a:lstStyle/>
-          <a:p>
-            <a:pPr lvl="0" indent="0" marL="0">
-              <a:buNone/>
-            </a:pPr>
-            <a:r>
-              <a:rPr/>
-              <a:t>By the end of the session, you will have:</a:t>
-            </a:r>
-          </a:p>
-        </p:txBody>
-      </p:sp>
-      <p:sp>
-        <p:nvSpPr>
-          <p:cNvPr id="3" name="Content Placeholder 2">
-            <a:extLst>
-              <a:ext uri="{FF2B5EF4-FFF2-40B4-BE49-F238E27FC236}">
-                <a16:creationId xmlns:a16="http://schemas.microsoft.com/office/drawing/2014/main" id="{A4EB24F9-04F1-C843-9D71-56C5C024552B}"/>
-              </a:ext>
-            </a:extLst>
-          </p:cNvPr>
-          <p:cNvSpPr>
-            <a:spLocks noGrp="1"/>
-          </p:cNvSpPr>
-          <p:nvPr>
-            <p:ph idx="1"/>
-          </p:nvPr>
-        </p:nvSpPr>
-        <p:spPr/>
-        <p:txBody>
-          <a:bodyPr/>
-          <a:lstStyle/>
-          <a:p>
-            <a:pPr lvl="0"/>
-            <a:r>
-              <a:rPr/>
-              <a:t>Worked together in your groups to determine next steps in your studies; specifically, materials that are shared, and those that are individual to you. This will allow you to divide and conquer!</a:t>
-            </a:r>
-          </a:p>
-          <a:p>
-            <a:pPr lvl="0"/>
-            <a:r>
-              <a:rPr/>
-              <a:t>Registered for a Goldsmiths Qualtrics account.</a:t>
-            </a:r>
-          </a:p>
-          <a:p>
-            <a:pPr lvl="0"/>
-            <a:r>
-              <a:rPr/>
-              <a:t>Opened the ‘Mini-Dissertation Qualtrics Template’ in your account.</a:t>
-            </a:r>
-          </a:p>
-          <a:p>
-            <a:pPr lvl="0"/>
-            <a:r>
-              <a:rPr/>
-              <a:t>Started editing the template according to your needs.</a:t>
-            </a:r>
-          </a:p>
-          <a:p>
-            <a:pPr lvl="0"/>
-            <a:r>
-              <a:rPr/>
-              <a:t>Considered randomizing blocks in your survey to avoid order effects.</a:t>
-            </a:r>
-          </a:p>
-          <a:p>
-            <a:pPr lvl="0"/>
-            <a:r>
-              <a:rPr/>
-              <a:t>Set up scoring to save you time computing scores.</a:t>
-            </a:r>
-          </a:p>
-          <a:p>
-            <a:pPr lvl="0"/>
-            <a:r>
-              <a:rPr/>
-              <a:t>If your study requires complex stimulus presentation or reaction times, you’ll want to use Gorilla. A brief overview of valuable resources is available.</a:t>
-            </a:r>
-          </a:p>
-          <a:p>
-            <a:pPr lvl="0" indent="0" marL="0">
-              <a:buNone/>
-            </a:pPr>
-            <a:r>
-              <a:rPr/>
-              <a:t>Work with your group to identify which elements of your study (measures, questionnaires, tasks) are shared and which are individual. This will allow you to start considering how to combine your energies to best effect in developing materials.</a:t>
-            </a:r>
-          </a:p>
-          <a:p>
-            <a:pPr lvl="0" indent="0" marL="0">
-              <a:buNone/>
-            </a:pPr>
-            <a:r>
-              <a:rPr/>
-              <a:t>Most, if not all, of you, will use Qualtrics. There are some useful tools and tips to help you get up and running. Import the Mini-Dissertation Template and get to work building your study. For more complex tasks, Gorilla will be what you need.</a:t>
-            </a:r>
-          </a:p>
-          <a:p>
-            <a:pPr lvl="0" indent="0" marL="0">
-              <a:buNone/>
-            </a:pPr>
-            <a:r>
-              <a:rPr/>
-              <a:t>Gordon’s Top Tip: Time spent preparing your materials really pays off – in terms of time, data quality, and confidence!</a:t>
-            </a:r>
-          </a:p>
-        </p:txBody>
-      </p:sp>
+      </p:pic>
     </p:spTree>
   </p:cSld>
 </p:sld>
@@ -6140,118 +6268,86 @@
       </p:grpSpPr>
       <p:sp>
         <p:nvSpPr>
-          <p:cNvPr id="2" name="Title 1">
-            <a:extLst>
-              <a:ext uri="{FF2B5EF4-FFF2-40B4-BE49-F238E27FC236}">
-                <a16:creationId xmlns:a16="http://schemas.microsoft.com/office/drawing/2014/main" id="{DD9B8E45-0772-954C-8D4B-6E6808DFEDED}"/>
-              </a:ext>
-            </a:extLst>
-          </p:cNvPr>
-          <p:cNvSpPr>
-            <a:spLocks noGrp="1"/>
-          </p:cNvSpPr>
-          <p:nvPr>
-            <p:ph type="title"/>
-          </p:nvPr>
-        </p:nvSpPr>
-        <p:spPr>
+          <p:cNvPr id="4" name="Text Placeholder 3">
+            <a:extLst>
+              <a:ext uri="{FF2B5EF4-FFF2-40B4-BE49-F238E27FC236}">
+                <a16:creationId xmlns:a16="http://schemas.microsoft.com/office/drawing/2014/main" id="{898BA411-2A54-A94A-B3FC-826281DBEADF}"/>
+              </a:ext>
+            </a:extLst>
+          </p:cNvPr>
+          <p:cNvSpPr>
+            <a:spLocks noGrp="1"/>
+          </p:cNvSpPr>
+          <p:nvPr>
+            <p:ph idx="2" sz="half" type="body"/>
+          </p:nvPr>
+        </p:nvSpPr>
+        <p:spPr/>
+        <p:txBody>
+          <a:bodyPr/>
+          <a:lstStyle/>
+          <a:p>
+            <a:pPr lvl="0" indent="0" marL="0">
+              <a:spcBef>
+                <a:spcPts val="3000"/>
+              </a:spcBef>
+              <a:buNone/>
+            </a:pPr>
+            <a:r>
+              <a:rPr b="1"/>
+              <a:t>Scoring questionnaires</a:t>
+            </a:r>
+          </a:p>
+          <a:p>
+            <a:pPr lvl="0" indent="0" marL="0">
+              <a:buNone/>
+            </a:pPr>
+            <a:r>
+              <a:rPr/>
+              <a:t>Scoring can save you LOTS of time, by automatically scoring your questionnaires or subscales of your questionnaires. Consider using this if your measure generates a total score or you are planning on calculating an average etc. It is perfectly easy to calculate these in excel, but it can be done automatically with a little care and preparation.</a:t>
+            </a:r>
+          </a:p>
+          <a:p>
+            <a:pPr lvl="0"/>
+            <a:r>
+              <a:rPr>
+                <a:hlinkClick r:id="rId2"/>
+              </a:rPr>
+              <a:t>Scoring in Qualtrics</a:t>
+            </a:r>
+          </a:p>
+        </p:txBody>
+      </p:sp>
+      <p:pic>
+        <p:nvPicPr>
+          <p:cNvPr descr="images/Screenshot - Microsoft Word-10-11-000246.png" id="0" name="Picture 1"/>
+          <p:cNvPicPr>
+            <a:picLocks noGrp="1" noChangeAspect="1"/>
+          </p:cNvPicPr>
+          <p:nvPr/>
+        </p:nvPicPr>
+        <p:blipFill>
+          <a:blip r:embed="rId3"/>
+          <a:stretch>
+            <a:fillRect/>
+          </a:stretch>
+        </p:blipFill>
+        <p:spPr bwMode="auto">
           <a:xfrm>
-            <a:off x="838200" y="365129"/>
-            <a:ext cx="10002520" cy="1325563"/>
+            <a:off x="5181600" y="2374900"/>
+            <a:ext cx="6172200" cy="2057400"/>
           </a:xfrm>
           <a:prstGeom prst="rect">
             <a:avLst/>
           </a:prstGeom>
+          <a:noFill/>
+          <a:ln w="9525">
+            <a:noFill/>
+            <a:headEnd/>
+            <a:tailEnd/>
+          </a:ln>
         </p:spPr>
-        <p:txBody>
-          <a:bodyPr/>
-          <a:lstStyle/>
-          <a:p>
-            <a:pPr lvl="0" indent="0" marL="0">
-              <a:buNone/>
-            </a:pPr>
-            <a:r>
-              <a:rPr/>
-              <a:t>Working Out How to Start Developing Your Study</a:t>
-            </a:r>
-          </a:p>
-        </p:txBody>
-      </p:sp>
-      <p:sp>
-        <p:nvSpPr>
-          <p:cNvPr id="3" name="Content Placeholder 2">
-            <a:extLst>
-              <a:ext uri="{FF2B5EF4-FFF2-40B4-BE49-F238E27FC236}">
-                <a16:creationId xmlns:a16="http://schemas.microsoft.com/office/drawing/2014/main" id="{A4EB24F9-04F1-C843-9D71-56C5C024552B}"/>
-              </a:ext>
-            </a:extLst>
-          </p:cNvPr>
-          <p:cNvSpPr>
-            <a:spLocks noGrp="1"/>
-          </p:cNvSpPr>
-          <p:nvPr>
-            <p:ph idx="1"/>
-          </p:nvPr>
-        </p:nvSpPr>
-        <p:spPr/>
-        <p:txBody>
-          <a:bodyPr/>
-          <a:lstStyle/>
-          <a:p>
-            <a:pPr lvl="0" indent="-257175" marL="257175">
-              <a:buAutoNum type="arabicPeriod"/>
-            </a:pPr>
-            <a:r>
-              <a:rPr b="1"/>
-              <a:t>Moving towards your individual research question:</a:t>
-            </a:r>
-            <a:r>
-              <a:rPr/>
-              <a:t> In your groups, and with your Critical Proposals in mind, discuss your projects. Do you all still agree on your original research question or how you thought you’d explore it? Have your ideas developed in any way? List your preferred IVs, DVs, and methodologies and compare notes. Look out for similarities and differences.</a:t>
-            </a:r>
-          </a:p>
-          <a:p>
-            <a:pPr lvl="1" indent="0" marL="257175">
-              <a:buNone/>
-            </a:pPr>
-            <a:r>
-              <a:rPr/>
-              <a:t>It is normal that your approaches or interests may diverge a little as a result of your critical evaluations. This is great. If not, that’s fine too. The design of your individual Mini-Dissertation needs to be slightly different from your collaborators, so you can pursue your interests if they differ somewhat.</a:t>
-            </a:r>
-          </a:p>
-          <a:p>
-            <a:pPr lvl="1" indent="0" marL="257175">
-              <a:buNone/>
-            </a:pPr>
-            <a:r>
-              <a:rPr/>
-              <a:t>Exploring different personality traits is a nice way to find distinctive IVs. If you are presenting stimulus materials, you could present different types, classes, or categories. An exploration of memory may include familiar or unfamiliar words, short or long words, or focus on another type of stimulus, such as numbers or shapes, different presentation durations, or recall delays. Or you could use different DVs, such as accuracy/error rate, or reaction time, or confidence; all interesting. If you are looking at life-outcomes as a DV (as many of you are), these can vary by domain (e.g. work or home-life) or how you quantify them; how do you quantify success or happiness or health? It may initially seem quite tricky to see how this might work, but your lab tutor is on hand to help!</a:t>
-            </a:r>
-          </a:p>
-          <a:p>
-            <a:pPr lvl="0" indent="-257175" marL="257175">
-              <a:buAutoNum type="arabicPeriod"/>
-            </a:pPr>
-            <a:r>
-              <a:rPr b="1"/>
-              <a:t>Sharing the workload:</a:t>
-            </a:r>
-            <a:r>
-              <a:rPr/>
-              <a:t> Following on from the question above, is there a ‘central’ task, measure, or stimulus-set in your project that potentially requires more effort to find or build? Does some aspect of your project involve the selection or creation of stimulus material?</a:t>
-            </a:r>
-          </a:p>
-          <a:p>
-            <a:pPr lvl="1" indent="0" marL="257175">
-              <a:buNone/>
-            </a:pPr>
-            <a:r>
-              <a:rPr/>
-              <a:t>This might be a good thing to develop as a group, allowing you to make it as effective as possible. This is likely the core of your methods section and worth making fabulous. You can then duplicate this component and break into smaller groups to tailor it and collect the data if you need to or want to. But by working together as much as possible, you can refine this component and make it as accurate and impressive as possible with relative ease.</a:t>
-            </a:r>
-          </a:p>
-        </p:txBody>
-      </p:sp>
+      </p:pic>
     </p:spTree>
   </p:cSld>
 </p:sld>
@@ -6276,113 +6372,77 @@
       </p:grpSpPr>
       <p:sp>
         <p:nvSpPr>
-          <p:cNvPr id="2" name="Title 1">
-            <a:extLst>
-              <a:ext uri="{FF2B5EF4-FFF2-40B4-BE49-F238E27FC236}">
-                <a16:creationId xmlns:a16="http://schemas.microsoft.com/office/drawing/2014/main" id="{DD9B8E45-0772-954C-8D4B-6E6808DFEDED}"/>
-              </a:ext>
-            </a:extLst>
-          </p:cNvPr>
-          <p:cNvSpPr>
-            <a:spLocks noGrp="1"/>
-          </p:cNvSpPr>
-          <p:nvPr>
-            <p:ph type="title"/>
-          </p:nvPr>
-        </p:nvSpPr>
-        <p:spPr>
+          <p:cNvPr id="4" name="Text Placeholder 3">
+            <a:extLst>
+              <a:ext uri="{FF2B5EF4-FFF2-40B4-BE49-F238E27FC236}">
+                <a16:creationId xmlns:a16="http://schemas.microsoft.com/office/drawing/2014/main" id="{898BA411-2A54-A94A-B3FC-826281DBEADF}"/>
+              </a:ext>
+            </a:extLst>
+          </p:cNvPr>
+          <p:cNvSpPr>
+            <a:spLocks noGrp="1"/>
+          </p:cNvSpPr>
+          <p:nvPr>
+            <p:ph idx="2" sz="half" type="body"/>
+          </p:nvPr>
+        </p:nvSpPr>
+        <p:spPr/>
+        <p:txBody>
+          <a:bodyPr/>
+          <a:lstStyle/>
+          <a:p>
+            <a:pPr lvl="0" indent="0" marL="0">
+              <a:spcBef>
+                <a:spcPts val="3000"/>
+              </a:spcBef>
+              <a:buNone/>
+            </a:pPr>
+            <a:r>
+              <a:rPr b="1"/>
+              <a:t>Previewing your survey</a:t>
+            </a:r>
+          </a:p>
+          <a:p>
+            <a:pPr lvl="0" indent="0" marL="0">
+              <a:buNone/>
+            </a:pPr>
+            <a:r>
+              <a:rPr/>
+              <a:t>If you want to see how a question (or entire survey) looks, use the preview functionality. It will allow you to see what the participant will see – both on a computer and on a mobile device.</a:t>
+            </a:r>
+          </a:p>
+        </p:txBody>
+      </p:sp>
+      <p:pic>
+        <p:nvPicPr>
+          <p:cNvPr descr="images/Screenshot - Microsoft Word-10-11-000248.png" id="0" name="Picture 1"/>
+          <p:cNvPicPr>
+            <a:picLocks noGrp="1" noChangeAspect="1"/>
+          </p:cNvPicPr>
+          <p:nvPr/>
+        </p:nvPicPr>
+        <p:blipFill>
+          <a:blip r:embed="rId2"/>
+          <a:stretch>
+            <a:fillRect/>
+          </a:stretch>
+        </p:blipFill>
+        <p:spPr bwMode="auto">
           <a:xfrm>
-            <a:off x="838200" y="365129"/>
-            <a:ext cx="10002520" cy="1325563"/>
+            <a:off x="5181600" y="1625600"/>
+            <a:ext cx="6172200" cy="3568700"/>
           </a:xfrm>
           <a:prstGeom prst="rect">
             <a:avLst/>
           </a:prstGeom>
+          <a:noFill/>
+          <a:ln w="9525">
+            <a:noFill/>
+            <a:headEnd/>
+            <a:tailEnd/>
+          </a:ln>
         </p:spPr>
-        <p:txBody>
-          <a:bodyPr/>
-          <a:lstStyle/>
-          <a:p>
-            <a:pPr lvl="0" indent="0" marL="0">
-              <a:buNone/>
-            </a:pPr>
-            <a:r>
-              <a:rPr/>
-              <a:t>Opening a Goldsmiths Qualtrics Account</a:t>
-            </a:r>
-          </a:p>
-        </p:txBody>
-      </p:sp>
-      <p:sp>
-        <p:nvSpPr>
-          <p:cNvPr id="3" name="Content Placeholder 2">
-            <a:extLst>
-              <a:ext uri="{FF2B5EF4-FFF2-40B4-BE49-F238E27FC236}">
-                <a16:creationId xmlns:a16="http://schemas.microsoft.com/office/drawing/2014/main" id="{A4EB24F9-04F1-C843-9D71-56C5C024552B}"/>
-              </a:ext>
-            </a:extLst>
-          </p:cNvPr>
-          <p:cNvSpPr>
-            <a:spLocks noGrp="1"/>
-          </p:cNvSpPr>
-          <p:nvPr>
-            <p:ph idx="1"/>
-          </p:nvPr>
-        </p:nvSpPr>
-        <p:spPr/>
-        <p:txBody>
-          <a:bodyPr/>
-          <a:lstStyle/>
-          <a:p>
-            <a:pPr lvl="0" indent="-257175" marL="257175">
-              <a:buAutoNum type="arabicPeriod"/>
-            </a:pPr>
-            <a:r>
-              <a:rPr/>
-              <a:t>Please go to this link: </a:t>
-            </a:r>
-            <a:r>
-              <a:rPr>
-                <a:hlinkClick r:id="rId2"/>
-              </a:rPr>
-              <a:t>Goldsmiths Qualtrics</a:t>
-            </a:r>
-          </a:p>
-          <a:p>
-            <a:pPr lvl="0" indent="-257175" marL="257175">
-              <a:buAutoNum type="arabicPeriod"/>
-            </a:pPr>
-            <a:r>
-              <a:rPr/>
-              <a:t>Use your college email address and password. To get the full functionality, you MUST use your college login.</a:t>
-            </a:r>
-          </a:p>
-          <a:p>
-            <a:pPr lvl="0" indent="-257175" marL="257175">
-              <a:buAutoNum type="arabicPeriod"/>
-            </a:pPr>
-            <a:r>
-              <a:rPr/>
-              <a:t>If you accidentally set up a trial account, or use a different email, it can take 3 weeks to change. Follow these instructions on the VLE: </a:t>
-            </a:r>
-            <a:r>
-              <a:rPr>
-                <a:hlinkClick r:id="rId3"/>
-              </a:rPr>
-              <a:t>VLE Instructions</a:t>
-            </a:r>
-          </a:p>
-          <a:p>
-            <a:pPr lvl="0" indent="-257175" marL="257175">
-              <a:buAutoNum type="arabicPeriod"/>
-            </a:pPr>
-            <a:r>
-              <a:rPr/>
-              <a:t>You will know if you have been successful if, when you log in, the URL starts with goldpsych.eu.qualtrics.com.</a:t>
-            </a:r>
-          </a:p>
-        </p:txBody>
-      </p:sp>
+      </p:pic>
     </p:spTree>
   </p:cSld>
 </p:sld>
@@ -6407,129 +6467,86 @@
       </p:grpSpPr>
       <p:sp>
         <p:nvSpPr>
-          <p:cNvPr id="2" name="Title 1">
-            <a:extLst>
-              <a:ext uri="{FF2B5EF4-FFF2-40B4-BE49-F238E27FC236}">
-                <a16:creationId xmlns:a16="http://schemas.microsoft.com/office/drawing/2014/main" id="{DD9B8E45-0772-954C-8D4B-6E6808DFEDED}"/>
-              </a:ext>
-            </a:extLst>
-          </p:cNvPr>
-          <p:cNvSpPr>
-            <a:spLocks noGrp="1"/>
-          </p:cNvSpPr>
-          <p:nvPr>
-            <p:ph type="title"/>
-          </p:nvPr>
-        </p:nvSpPr>
-        <p:spPr>
+          <p:cNvPr id="4" name="Text Placeholder 3">
+            <a:extLst>
+              <a:ext uri="{FF2B5EF4-FFF2-40B4-BE49-F238E27FC236}">
+                <a16:creationId xmlns:a16="http://schemas.microsoft.com/office/drawing/2014/main" id="{898BA411-2A54-A94A-B3FC-826281DBEADF}"/>
+              </a:ext>
+            </a:extLst>
+          </p:cNvPr>
+          <p:cNvSpPr>
+            <a:spLocks noGrp="1"/>
+          </p:cNvSpPr>
+          <p:nvPr>
+            <p:ph idx="2" sz="half" type="body"/>
+          </p:nvPr>
+        </p:nvSpPr>
+        <p:spPr/>
+        <p:txBody>
+          <a:bodyPr/>
+          <a:lstStyle/>
+          <a:p>
+            <a:pPr lvl="0" indent="0" marL="0">
+              <a:spcBef>
+                <a:spcPts val="3000"/>
+              </a:spcBef>
+              <a:buNone/>
+            </a:pPr>
+            <a:r>
+              <a:rPr b="1"/>
+              <a:t>Data Export</a:t>
+            </a:r>
+          </a:p>
+          <a:p>
+            <a:pPr lvl="0" indent="0" marL="0">
+              <a:buNone/>
+            </a:pPr>
+            <a:r>
+              <a:rPr/>
+              <a:t>It is highly recommended that you test how the data will be exported from your survey, so that you can perfect how you label your questions and how you recode or score your variables. To run a quick ‘data test’ do the following.</a:t>
+            </a:r>
+          </a:p>
+          <a:p>
+            <a:pPr lvl="0" indent="0" marL="0">
+              <a:buNone/>
+            </a:pPr>
+            <a:r>
+              <a:rPr/>
+              <a:t>Click Publish and label the versions ‘Data Test’ and click ‘Publish’ again.</a:t>
+            </a:r>
+          </a:p>
+        </p:txBody>
+      </p:sp>
+      <p:pic>
+        <p:nvPicPr>
+          <p:cNvPr descr="images/Screenshot - Microsoft Word-10-11-000250.png" id="0" name="Picture 1"/>
+          <p:cNvPicPr>
+            <a:picLocks noGrp="1" noChangeAspect="1"/>
+          </p:cNvPicPr>
+          <p:nvPr/>
+        </p:nvPicPr>
+        <p:blipFill>
+          <a:blip r:embed="rId2"/>
+          <a:stretch>
+            <a:fillRect/>
+          </a:stretch>
+        </p:blipFill>
+        <p:spPr bwMode="auto">
           <a:xfrm>
-            <a:off x="838200" y="365129"/>
-            <a:ext cx="10002520" cy="1325563"/>
+            <a:off x="5181600" y="1790700"/>
+            <a:ext cx="6172200" cy="3251200"/>
           </a:xfrm>
           <a:prstGeom prst="rect">
             <a:avLst/>
           </a:prstGeom>
+          <a:noFill/>
+          <a:ln w="9525">
+            <a:noFill/>
+            <a:headEnd/>
+            <a:tailEnd/>
+          </a:ln>
         </p:spPr>
-        <p:txBody>
-          <a:bodyPr/>
-          <a:lstStyle/>
-          <a:p>
-            <a:pPr lvl="0" indent="0" marL="0">
-              <a:buNone/>
-            </a:pPr>
-            <a:r>
-              <a:rPr/>
-              <a:t>Importing the Mini-Dissertation Template</a:t>
-            </a:r>
-          </a:p>
-        </p:txBody>
-      </p:sp>
-      <p:sp>
-        <p:nvSpPr>
-          <p:cNvPr id="3" name="Content Placeholder 2">
-            <a:extLst>
-              <a:ext uri="{FF2B5EF4-FFF2-40B4-BE49-F238E27FC236}">
-                <a16:creationId xmlns:a16="http://schemas.microsoft.com/office/drawing/2014/main" id="{A4EB24F9-04F1-C843-9D71-56C5C024552B}"/>
-              </a:ext>
-            </a:extLst>
-          </p:cNvPr>
-          <p:cNvSpPr>
-            <a:spLocks noGrp="1"/>
-          </p:cNvSpPr>
-          <p:nvPr>
-            <p:ph idx="1"/>
-          </p:nvPr>
-        </p:nvSpPr>
-        <p:spPr/>
-        <p:txBody>
-          <a:bodyPr/>
-          <a:lstStyle/>
-          <a:p>
-            <a:pPr lvl="0" indent="-257175" marL="257175">
-              <a:buAutoNum type="arabicPeriod"/>
-            </a:pPr>
-            <a:r>
-              <a:rPr/>
-              <a:t>Download the Mini-Dissertation Qualtrics Template </a:t>
-            </a:r>
-            <a:r>
-              <a:rPr>
-                <a:hlinkClick r:id="rId2"/>
-              </a:rPr>
-              <a:t>HERE</a:t>
-            </a:r>
-            <a:r>
-              <a:rPr/>
-              <a:t> or from the VLE page.</a:t>
-            </a:r>
-          </a:p>
-          <a:p>
-            <a:pPr lvl="0" indent="-257175" marL="257175">
-              <a:buAutoNum type="arabicPeriod"/>
-            </a:pPr>
-            <a:r>
-              <a:rPr/>
-              <a:t>It will be a .qsf file, native to Qualtrics, and will only open in Qualtrics.</a:t>
-            </a:r>
-          </a:p>
-          <a:p>
-            <a:pPr lvl="0" indent="-257175" marL="257175">
-              <a:buAutoNum type="arabicPeriod"/>
-            </a:pPr>
-            <a:r>
-              <a:rPr/>
-              <a:t>To use the template, on the Homepage, click on ‘Create a new project’, select ‘Survey’, and ‘Get started’.</a:t>
-            </a:r>
-          </a:p>
-          <a:p>
-            <a:pPr lvl="0" indent="-257175" marL="257175">
-              <a:buAutoNum type="arabicPeriod"/>
-            </a:pPr>
-            <a:r>
-              <a:rPr/>
-              <a:t>Give your project a preliminary name (this can be changed later) and choose ‘Import a QSF file’ from the ‘How you want to start’ dropdown.</a:t>
-            </a:r>
-          </a:p>
-          <a:p>
-            <a:pPr lvl="0" indent="-257175" marL="257175">
-              <a:buAutoNum type="arabicPeriod"/>
-            </a:pPr>
-            <a:r>
-              <a:rPr/>
-              <a:t>Find the .qsf file you downloaded earlier using the ‘Choose file’ finder and then click ‘Create project’.</a:t>
-            </a:r>
-          </a:p>
-          <a:p>
-            <a:pPr lvl="0" indent="-257175" marL="257175">
-              <a:buAutoNum type="arabicPeriod"/>
-            </a:pPr>
-            <a:r>
-              <a:rPr/>
-              <a:t>You will likely be offered the option to ‘Take a tour’ of the Survey Builder. It takes two minutes and shows you how to change settings and to edit questions.</a:t>
-            </a:r>
-          </a:p>
-        </p:txBody>
-      </p:sp>
+      </p:pic>
     </p:spTree>
   </p:cSld>
 </p:sld>
@@ -6554,110 +6571,74 @@
       </p:grpSpPr>
       <p:sp>
         <p:nvSpPr>
-          <p:cNvPr id="2" name="Title 1">
-            <a:extLst>
-              <a:ext uri="{FF2B5EF4-FFF2-40B4-BE49-F238E27FC236}">
-                <a16:creationId xmlns:a16="http://schemas.microsoft.com/office/drawing/2014/main" id="{DD9B8E45-0772-954C-8D4B-6E6808DFEDED}"/>
-              </a:ext>
-            </a:extLst>
-          </p:cNvPr>
-          <p:cNvSpPr>
-            <a:spLocks noGrp="1"/>
-          </p:cNvSpPr>
-          <p:nvPr>
-            <p:ph type="title"/>
-          </p:nvPr>
-        </p:nvSpPr>
-        <p:spPr>
+          <p:cNvPr id="4" name="Text Placeholder 3">
+            <a:extLst>
+              <a:ext uri="{FF2B5EF4-FFF2-40B4-BE49-F238E27FC236}">
+                <a16:creationId xmlns:a16="http://schemas.microsoft.com/office/drawing/2014/main" id="{898BA411-2A54-A94A-B3FC-826281DBEADF}"/>
+              </a:ext>
+            </a:extLst>
+          </p:cNvPr>
+          <p:cNvSpPr>
+            <a:spLocks noGrp="1"/>
+          </p:cNvSpPr>
+          <p:nvPr>
+            <p:ph idx="2" sz="half" type="body"/>
+          </p:nvPr>
+        </p:nvSpPr>
+        <p:spPr/>
+        <p:txBody>
+          <a:bodyPr/>
+          <a:lstStyle/>
+          <a:p>
+            <a:pPr lvl="0" indent="0" marL="0">
+              <a:buNone/>
+            </a:pPr>
+            <a:r>
+              <a:rPr/>
+              <a:t>Under ‘Distributions’ select ‘Anonymous link’ (which is how you will share your study with participants usually. You can of course produce a QR code or use Bit.ly to shorten the link to make it more attractive. Think about the best way to recruit for your study.</a:t>
+            </a:r>
+          </a:p>
+          <a:p>
+            <a:pPr lvl="0" indent="0" marL="0">
+              <a:buNone/>
+            </a:pPr>
+            <a:r>
+              <a:rPr/>
+              <a:t>Copy the link to your browser and run through the study.</a:t>
+            </a:r>
+          </a:p>
+        </p:txBody>
+      </p:sp>
+      <p:pic>
+        <p:nvPicPr>
+          <p:cNvPr descr="images/Screenshot - Microsoft Word-10-11-000252.png" id="0" name="Picture 1"/>
+          <p:cNvPicPr>
+            <a:picLocks noGrp="1" noChangeAspect="1"/>
+          </p:cNvPicPr>
+          <p:nvPr/>
+        </p:nvPicPr>
+        <p:blipFill>
+          <a:blip r:embed="rId2"/>
+          <a:stretch>
+            <a:fillRect/>
+          </a:stretch>
+        </p:blipFill>
+        <p:spPr bwMode="auto">
           <a:xfrm>
-            <a:off x="838200" y="365129"/>
-            <a:ext cx="10002520" cy="1325563"/>
+            <a:off x="5181600" y="2311400"/>
+            <a:ext cx="6172200" cy="2197100"/>
           </a:xfrm>
           <a:prstGeom prst="rect">
             <a:avLst/>
           </a:prstGeom>
+          <a:noFill/>
+          <a:ln w="9525">
+            <a:noFill/>
+            <a:headEnd/>
+            <a:tailEnd/>
+          </a:ln>
         </p:spPr>
-        <p:txBody>
-          <a:bodyPr/>
-          <a:lstStyle/>
-          <a:p>
-            <a:pPr lvl="0" indent="0" marL="0">
-              <a:buNone/>
-            </a:pPr>
-            <a:r>
-              <a:rPr/>
-              <a:t>The Template</a:t>
-            </a:r>
-          </a:p>
-        </p:txBody>
-      </p:sp>
-      <p:sp>
-        <p:nvSpPr>
-          <p:cNvPr id="3" name="Content Placeholder 2">
-            <a:extLst>
-              <a:ext uri="{FF2B5EF4-FFF2-40B4-BE49-F238E27FC236}">
-                <a16:creationId xmlns:a16="http://schemas.microsoft.com/office/drawing/2014/main" id="{A4EB24F9-04F1-C843-9D71-56C5C024552B}"/>
-              </a:ext>
-            </a:extLst>
-          </p:cNvPr>
-          <p:cNvSpPr>
-            <a:spLocks noGrp="1"/>
-          </p:cNvSpPr>
-          <p:nvPr>
-            <p:ph idx="1"/>
-          </p:nvPr>
-        </p:nvSpPr>
-        <p:spPr/>
-        <p:txBody>
-          <a:bodyPr/>
-          <a:lstStyle/>
-          <a:p>
-            <a:pPr lvl="0" indent="0" marL="0">
-              <a:buNone/>
-            </a:pPr>
-            <a:r>
-              <a:rPr/>
-              <a:t>Please notice that, over and above the survey questions, the template includes four important elements; 1) an Information Sheet outlining the study, 2) Informed Consent, 3) GDPR, and 4) a Debrief delivered at the end of the survey.</a:t>
-            </a:r>
-          </a:p>
-          <a:p>
-            <a:pPr lvl="0" indent="0" marL="0">
-              <a:buNone/>
-            </a:pPr>
-            <a:r>
-              <a:rPr/>
-              <a:t>You are required to submit copies of the information you supply in these sections in word doc format with your Ethics Application for storage on file. Simply copy the content in the relevant sections of your Qualtrics survey into 4 separate word documents for submission.</a:t>
-            </a:r>
-          </a:p>
-          <a:p>
-            <a:pPr lvl="0" indent="0" marL="0">
-              <a:buNone/>
-            </a:pPr>
-            <a:r>
-              <a:rPr/>
-              <a:t>NB: If you run an experiment in person (this year OR next), you will be required to give each participant a hard copy of all of these documents and retain a signed Consent Form for your records. The process of developing these materials is valuable preparation - please be involved.</a:t>
-            </a:r>
-          </a:p>
-          <a:p>
-            <a:pPr lvl="0" indent="0" marL="0">
-              <a:buNone/>
-            </a:pPr>
-            <a:r>
-              <a:rPr/>
-              <a:t>Once you’ve created your survey, you’re ready to start building. This page outlines how to add, delete, copy, and edit multiple questions in the Survey tab to build your required functionality. The Qualtrics help is extremely useful and gives extensive, easily-navigable help.</a:t>
-            </a:r>
-          </a:p>
-          <a:p>
-            <a:pPr lvl="0" indent="0" marL="0">
-              <a:buNone/>
-            </a:pPr>
-            <a:r>
-              <a:rPr/>
-              <a:t>For example, you will want to add new questions into the body of the survey, corresponding with demographic information or a psychometric measure or questionnaire you have found.</a:t>
-            </a:r>
-          </a:p>
-        </p:txBody>
-      </p:sp>
+      </p:pic>
     </p:spTree>
   </p:cSld>
 </p:sld>
@@ -6682,110 +6663,65 @@
       </p:grpSpPr>
       <p:sp>
         <p:nvSpPr>
-          <p:cNvPr id="2" name="Title 1">
-            <a:extLst>
-              <a:ext uri="{FF2B5EF4-FFF2-40B4-BE49-F238E27FC236}">
-                <a16:creationId xmlns:a16="http://schemas.microsoft.com/office/drawing/2014/main" id="{DD9B8E45-0772-954C-8D4B-6E6808DFEDED}"/>
-              </a:ext>
-            </a:extLst>
-          </p:cNvPr>
-          <p:cNvSpPr>
-            <a:spLocks noGrp="1"/>
-          </p:cNvSpPr>
-          <p:nvPr>
-            <p:ph type="title"/>
-          </p:nvPr>
-        </p:nvSpPr>
-        <p:spPr>
+          <p:cNvPr id="4" name="Text Placeholder 3">
+            <a:extLst>
+              <a:ext uri="{FF2B5EF4-FFF2-40B4-BE49-F238E27FC236}">
+                <a16:creationId xmlns:a16="http://schemas.microsoft.com/office/drawing/2014/main" id="{898BA411-2A54-A94A-B3FC-826281DBEADF}"/>
+              </a:ext>
+            </a:extLst>
+          </p:cNvPr>
+          <p:cNvSpPr>
+            <a:spLocks noGrp="1"/>
+          </p:cNvSpPr>
+          <p:nvPr>
+            <p:ph idx="2" sz="half" type="body"/>
+          </p:nvPr>
+        </p:nvSpPr>
+        <p:spPr/>
+        <p:txBody>
+          <a:bodyPr/>
+          <a:lstStyle/>
+          <a:p>
+            <a:pPr lvl="0" indent="0" marL="0">
+              <a:buNone/>
+            </a:pPr>
+            <a:r>
+              <a:rPr/>
+              <a:t>Export Data from this menu to a range of useful formats.</a:t>
+            </a:r>
+          </a:p>
+        </p:txBody>
+      </p:sp>
+      <p:pic>
+        <p:nvPicPr>
+          <p:cNvPr descr="images/Screenshot - Microsoft Word-10-11-000254.png" id="0" name="Picture 1"/>
+          <p:cNvPicPr>
+            <a:picLocks noGrp="1" noChangeAspect="1"/>
+          </p:cNvPicPr>
+          <p:nvPr/>
+        </p:nvPicPr>
+        <p:blipFill>
+          <a:blip r:embed="rId2"/>
+          <a:stretch>
+            <a:fillRect/>
+          </a:stretch>
+        </p:blipFill>
+        <p:spPr bwMode="auto">
           <a:xfrm>
-            <a:off x="838200" y="365129"/>
-            <a:ext cx="10002520" cy="1325563"/>
+            <a:off x="5181600" y="1130300"/>
+            <a:ext cx="6172200" cy="4559300"/>
           </a:xfrm>
           <a:prstGeom prst="rect">
             <a:avLst/>
           </a:prstGeom>
+          <a:noFill/>
+          <a:ln w="9525">
+            <a:noFill/>
+            <a:headEnd/>
+            <a:tailEnd/>
+          </a:ln>
         </p:spPr>
-        <p:txBody>
-          <a:bodyPr/>
-          <a:lstStyle/>
-          <a:p>
-            <a:pPr lvl="0" indent="0" marL="0">
-              <a:buNone/>
-            </a:pPr>
-            <a:r>
-              <a:rPr/>
-              <a:t>New Questions in your Survey</a:t>
-            </a:r>
-          </a:p>
-        </p:txBody>
-      </p:sp>
-      <p:sp>
-        <p:nvSpPr>
-          <p:cNvPr id="3" name="Content Placeholder 2">
-            <a:extLst>
-              <a:ext uri="{FF2B5EF4-FFF2-40B4-BE49-F238E27FC236}">
-                <a16:creationId xmlns:a16="http://schemas.microsoft.com/office/drawing/2014/main" id="{A4EB24F9-04F1-C843-9D71-56C5C024552B}"/>
-              </a:ext>
-            </a:extLst>
-          </p:cNvPr>
-          <p:cNvSpPr>
-            <a:spLocks noGrp="1"/>
-          </p:cNvSpPr>
-          <p:nvPr>
-            <p:ph idx="1"/>
-          </p:nvPr>
-        </p:nvSpPr>
-        <p:spPr/>
-        <p:txBody>
-          <a:bodyPr/>
-          <a:lstStyle/>
-          <a:p>
-            <a:pPr lvl="0" indent="0" marL="0">
-              <a:buNone/>
-            </a:pPr>
-            <a:r>
-              <a:rPr/>
-              <a:t>This page is very useful to help select the best question type. There are many types, but you will find Matrix Tables, Multiple Choice, and Sliders particularly useful. You can present images, media and text by using the Text/Graphic options and Rich Text Editor.</a:t>
-            </a:r>
-          </a:p>
-          <a:p>
-            <a:pPr lvl="0"/>
-            <a:r>
-              <a:rPr>
-                <a:hlinkClick r:id="rId2"/>
-              </a:rPr>
-              <a:t>Creating New Questions in Qualtrics</a:t>
-            </a:r>
-          </a:p>
-          <a:p>
-            <a:pPr lvl="0" indent="0" marL="0">
-              <a:buNone/>
-            </a:pPr>
-            <a:r>
-              <a:rPr/>
-              <a:t>Try to make the questions as easy to navigate as possible. Remember to use page breaks to make the flow more enjoyable.</a:t>
-            </a:r>
-          </a:p>
-          <a:p>
-            <a:pPr lvl="0"/>
-            <a:r>
-              <a:rPr>
-                <a:hlinkClick r:id="rId3"/>
-              </a:rPr>
-              <a:t>Adding Page Breaks Manually</a:t>
-            </a:r>
-          </a:p>
-          <a:p>
-            <a:pPr lvl="0" indent="0" marL="0">
-              <a:buNone/>
-            </a:pPr>
-            <a:r>
-              <a:rPr/>
-              <a:t>You can use a Rich Content Editor to include more elaborate instructions and adding media or graphics. You can also use hyperlinks to connect to content on the web outside of your questionnaire. You might want to include a downloadable file, such as a debrief form or pdf of some information you think a participant may want to retain. This can be managed via the Rich Content Editor. Making a participant feel like they have learned something can be a powerful reward. Please be careful not to break copyright by sharing materials you haven’t produced yourself. If you propose to include such materials, this should be included in your Ethics Application.</a:t>
-            </a:r>
-          </a:p>
-        </p:txBody>
-      </p:sp>
+      </p:pic>
     </p:spTree>
   </p:cSld>
 </p:sld>
@@ -6810,83 +6746,86 @@
       </p:grpSpPr>
       <p:sp>
         <p:nvSpPr>
-          <p:cNvPr id="2" name="Title 1">
-            <a:extLst>
-              <a:ext uri="{FF2B5EF4-FFF2-40B4-BE49-F238E27FC236}">
-                <a16:creationId xmlns:a16="http://schemas.microsoft.com/office/drawing/2014/main" id="{DD9B8E45-0772-954C-8D4B-6E6808DFEDED}"/>
-              </a:ext>
-            </a:extLst>
-          </p:cNvPr>
-          <p:cNvSpPr>
-            <a:spLocks noGrp="1"/>
-          </p:cNvSpPr>
-          <p:nvPr>
-            <p:ph type="title"/>
-          </p:nvPr>
-        </p:nvSpPr>
-        <p:spPr>
+          <p:cNvPr id="4" name="Text Placeholder 3">
+            <a:extLst>
+              <a:ext uri="{FF2B5EF4-FFF2-40B4-BE49-F238E27FC236}">
+                <a16:creationId xmlns:a16="http://schemas.microsoft.com/office/drawing/2014/main" id="{898BA411-2A54-A94A-B3FC-826281DBEADF}"/>
+              </a:ext>
+            </a:extLst>
+          </p:cNvPr>
+          <p:cNvSpPr>
+            <a:spLocks noGrp="1"/>
+          </p:cNvSpPr>
+          <p:nvPr>
+            <p:ph idx="2" sz="half" type="body"/>
+          </p:nvPr>
+        </p:nvSpPr>
+        <p:spPr/>
+        <p:txBody>
+          <a:bodyPr/>
+          <a:lstStyle/>
+          <a:p>
+            <a:pPr lvl="0" indent="0" marL="0">
+              <a:buNone/>
+            </a:pPr>
+            <a:r>
+              <a:rPr/>
+              <a:t>In Term 2 we will be looking at the data and how to clean it. The most important thing I would advise you to do is to name your blocks and questions clearly, so that this is reflected in the dataset that you download. If you don’t know which question is which, you could come unstuck.</a:t>
+            </a:r>
+          </a:p>
+          <a:p>
+            <a:pPr lvl="0" indent="0" marL="0">
+              <a:spcBef>
+                <a:spcPts val="3000"/>
+              </a:spcBef>
+              <a:buNone/>
+            </a:pPr>
+            <a:r>
+              <a:rPr b="1"/>
+              <a:t>Collaborate your survey with colleagues</a:t>
+            </a:r>
+          </a:p>
+          <a:p>
+            <a:pPr lvl="0" indent="0" marL="0">
+              <a:buNone/>
+            </a:pPr>
+            <a:r>
+              <a:rPr/>
+              <a:t>If you wish to share your survey with your group and work on it together, you can ‘Collaborate’ the project. It’s like using a shared document. You can monitor versions in case you make a mistake, but remember to ‘Publish’ if you want to over-write any changes you make! You can find this in the ‘Tools’ menu and you will need to use your colleagues’ Goldsmiths email addresses AND they will need to have a Goldsmiths Qualtrics account too.</a:t>
+            </a:r>
+          </a:p>
+        </p:txBody>
+      </p:sp>
+      <p:pic>
+        <p:nvPicPr>
+          <p:cNvPr descr="images/Screenshot - Microsoft Word-10-11-000258.png" id="0" name="Picture 1"/>
+          <p:cNvPicPr>
+            <a:picLocks noGrp="1" noChangeAspect="1"/>
+          </p:cNvPicPr>
+          <p:nvPr/>
+        </p:nvPicPr>
+        <p:blipFill>
+          <a:blip r:embed="rId2"/>
+          <a:stretch>
+            <a:fillRect/>
+          </a:stretch>
+        </p:blipFill>
+        <p:spPr bwMode="auto">
           <a:xfrm>
-            <a:off x="838200" y="365129"/>
-            <a:ext cx="10002520" cy="1325563"/>
+            <a:off x="5181600" y="1054100"/>
+            <a:ext cx="6172200" cy="4711700"/>
           </a:xfrm>
           <a:prstGeom prst="rect">
             <a:avLst/>
           </a:prstGeom>
+          <a:noFill/>
+          <a:ln w="9525">
+            <a:noFill/>
+            <a:headEnd/>
+            <a:tailEnd/>
+          </a:ln>
         </p:spPr>
-        <p:txBody>
-          <a:bodyPr/>
-          <a:lstStyle/>
-          <a:p>
-            <a:pPr lvl="0" indent="0" marL="0">
-              <a:buNone/>
-            </a:pPr>
-            <a:r>
-              <a:rPr/>
-              <a:t>Important safety and ethics considerations</a:t>
-            </a:r>
-          </a:p>
-        </p:txBody>
-      </p:sp>
-      <p:sp>
-        <p:nvSpPr>
-          <p:cNvPr id="3" name="Content Placeholder 2">
-            <a:extLst>
-              <a:ext uri="{FF2B5EF4-FFF2-40B4-BE49-F238E27FC236}">
-                <a16:creationId xmlns:a16="http://schemas.microsoft.com/office/drawing/2014/main" id="{A4EB24F9-04F1-C843-9D71-56C5C024552B}"/>
-              </a:ext>
-            </a:extLst>
-          </p:cNvPr>
-          <p:cNvSpPr>
-            <a:spLocks noGrp="1"/>
-          </p:cNvSpPr>
-          <p:nvPr>
-            <p:ph idx="1"/>
-          </p:nvPr>
-        </p:nvSpPr>
-        <p:spPr/>
-        <p:txBody>
-          <a:bodyPr/>
-          <a:lstStyle/>
-          <a:p>
-            <a:pPr lvl="0" indent="0" marL="0">
-              <a:buNone/>
-            </a:pPr>
-            <a:r>
-              <a:rPr/>
-              <a:t>Please only use your Goldsmiths Email address when running research and if you give your own details ALWAYS supply those of your Lab Tutor or the Module Coordinator. This affords you some protection and allows us to help deal with any questions.</a:t>
-            </a:r>
-          </a:p>
-          <a:p>
-            <a:pPr lvl="0" indent="0" marL="0">
-              <a:buNone/>
-            </a:pPr>
-            <a:r>
-              <a:rPr/>
-              <a:t>It is important that you clearly outline recruitment strategies in your ethic application (i.e. how you propose to recruit and where you share your task) and you must ONLY share an approved task.</a:t>
-            </a:r>
-          </a:p>
-        </p:txBody>
-      </p:sp>
+      </p:pic>
     </p:spTree>
   </p:cSld>
 </p:sld>

--- a/_site/content/Week06/worksheet.pptx
+++ b/_site/content/Week06/worksheet.pptx
@@ -17,7 +17,6 @@
     <p:sldId id="265" r:id="rId11"/>
     <p:sldId id="266" r:id="rId12"/>
     <p:sldId id="267" r:id="rId13"/>
-    <p:sldId id="268" r:id="rId14"/>
   </p:sldIdLst>
   <p:sldSz cx="12192000" cy="6858000"/>
   <p:notesSz cx="6858000" cy="9144000"/>
@@ -4965,21 +4964,29 @@
       </p:grpSpPr>
       <p:sp>
         <p:nvSpPr>
-          <p:cNvPr id="3" name="Content Placeholder 2">
-            <a:extLst>
-              <a:ext uri="{FF2B5EF4-FFF2-40B4-BE49-F238E27FC236}">
-                <a16:creationId xmlns:a16="http://schemas.microsoft.com/office/drawing/2014/main" id="{A4EB24F9-04F1-C843-9D71-56C5C024552B}"/>
-              </a:ext>
-            </a:extLst>
-          </p:cNvPr>
-          <p:cNvSpPr>
-            <a:spLocks noGrp="1"/>
-          </p:cNvSpPr>
-          <p:nvPr>
-            <p:ph idx="1"/>
-          </p:nvPr>
-        </p:nvSpPr>
-        <p:spPr/>
+          <p:cNvPr id="2" name="Title 1">
+            <a:extLst>
+              <a:ext uri="{FF2B5EF4-FFF2-40B4-BE49-F238E27FC236}">
+                <a16:creationId xmlns:a16="http://schemas.microsoft.com/office/drawing/2014/main" id="{F3186003-B489-CA46-A95C-C1AECC0CA4D3}"/>
+              </a:ext>
+            </a:extLst>
+          </p:cNvPr>
+          <p:cNvSpPr>
+            <a:spLocks noGrp="1"/>
+          </p:cNvSpPr>
+          <p:nvPr>
+            <p:ph type="title"/>
+          </p:nvPr>
+        </p:nvSpPr>
+        <p:spPr>
+          <a:xfrm>
+            <a:off x="839788" y="457200"/>
+            <a:ext cx="3932237" cy="1600200"/>
+          </a:xfrm>
+          <a:prstGeom prst="rect">
+            <a:avLst/>
+          </a:prstGeom>
+        </p:spPr>
         <p:txBody>
           <a:bodyPr/>
           <a:lstStyle/>
@@ -4988,14 +4995,45 @@
               <a:buNone/>
             </a:pPr>
             <a:r>
+              <a:rPr b="1"/>
+              <a:t>Gorilla.sc experimental platform</a:t>
+            </a:r>
+          </a:p>
+        </p:txBody>
+      </p:sp>
+      <p:sp>
+        <p:nvSpPr>
+          <p:cNvPr id="4" name="Text Placeholder 3">
+            <a:extLst>
+              <a:ext uri="{FF2B5EF4-FFF2-40B4-BE49-F238E27FC236}">
+                <a16:creationId xmlns:a16="http://schemas.microsoft.com/office/drawing/2014/main" id="{898BA411-2A54-A94A-B3FC-826281DBEADF}"/>
+              </a:ext>
+            </a:extLst>
+          </p:cNvPr>
+          <p:cNvSpPr>
+            <a:spLocks noGrp="1"/>
+          </p:cNvSpPr>
+          <p:nvPr>
+            <p:ph idx="2" sz="half" type="body"/>
+          </p:nvPr>
+        </p:nvSpPr>
+        <p:spPr/>
+        <p:txBody>
+          <a:bodyPr/>
+          <a:lstStyle/>
+          <a:p>
+            <a:pPr lvl="0" indent="0" marL="0">
+              <a:buNone/>
+            </a:pPr>
+            <a:r>
               <a:rPr/>
-              <a:t>For More Information the Qualtrics website includes comprehensive and easy-to-follow help documentation as mentioned above. Tutorials, webinars and detailed directions are available via Qualtrics’ extensive online resource, Qualtrics Support. </a:t>
+              <a:t>Some of you may be keen to program a task, such as a Stroop Task or a Go/No-Go task. For anything requiring complex presentation of stimuli or data recording accuracies or reaction times, Gorilla would be the most suitable platform to employ. Review some of the tasks they have in their ‘Samples’ collection ready for cloning! </a:t>
             </a:r>
             <a:r>
               <a:rPr>
                 <a:hlinkClick r:id="rId2"/>
               </a:rPr>
-              <a:t>www.qualtrics.com/support</a:t>
+              <a:t>https://app.gorilla.sc/support/samples</a:t>
             </a:r>
           </a:p>
           <a:p>
@@ -5003,33 +5041,65 @@
               <a:buNone/>
             </a:pPr>
             <a:r>
+              <a:rPr b="1"/>
+              <a:t>Getting your Gorilla account if you are a new user to the software please follow the below guidance:</a:t>
+            </a:r>
+          </a:p>
+          <a:p>
+            <a:pPr lvl="0" indent="0" marL="0">
+              <a:buNone/>
+            </a:pPr>
+            <a:r>
               <a:rPr/>
-              <a:t>For fast, individualized support over chat, email or a scheduled phone call, please consider using the Support Center. We pay for the services here, but they are based in the US: </a:t>
+              <a:t>Please go the Gorilla webpage (</a:t>
             </a:r>
             <a:r>
               <a:rPr>
                 <a:hlinkClick r:id="rId3"/>
               </a:rPr>
-              <a:t>www.qualtrics.com/support-center</a:t>
-            </a:r>
-          </a:p>
-          <a:p>
-            <a:pPr lvl="0" indent="0" marL="0">
-              <a:buNone/>
-            </a:pPr>
+              <a:t>https://gorilla.sc/login</a:t>
+            </a:r>
             <a:r>
               <a:rPr/>
-              <a:t>For fast, individualized support over chat, email or a scheduled phone call, please consider using the Support Center. We pay for the services here, but they are based in the US: </a:t>
-            </a:r>
-            <a:r>
-              <a:rPr>
-                <a:hlinkClick r:id="rId4"/>
-              </a:rPr>
-              <a:t>www.qualtrics.com/support-center</a:t>
-            </a:r>
-          </a:p>
-        </p:txBody>
-      </p:sp>
+              <a:t>), if you don’t already have an account create a new one, at the bottom of STEP 3 - finish, you should find a box called + My institution already has a subscription. Please click on this box (please see an image below for ease) and enter the enrolment code: </a:t>
+            </a:r>
+            <a:r>
+              <a:rPr b="1"/>
+              <a:t>PsychGold</a:t>
+            </a:r>
+          </a:p>
+        </p:txBody>
+      </p:sp>
+      <p:pic>
+        <p:nvPicPr>
+          <p:cNvPr descr="images/Screenshot%20-%20Microsoft%20Word-10-11-000260.png" id="0" name="Picture 1"/>
+          <p:cNvPicPr>
+            <a:picLocks noGrp="1" noChangeAspect="1"/>
+          </p:cNvPicPr>
+          <p:nvPr/>
+        </p:nvPicPr>
+        <p:blipFill>
+          <a:blip r:embed="rId4"/>
+          <a:stretch>
+            <a:fillRect/>
+          </a:stretch>
+        </p:blipFill>
+        <p:spPr bwMode="auto">
+          <a:xfrm>
+            <a:off x="5181600" y="1625600"/>
+            <a:ext cx="6172200" cy="3568700"/>
+          </a:xfrm>
+          <a:prstGeom prst="rect">
+            <a:avLst/>
+          </a:prstGeom>
+          <a:noFill/>
+          <a:ln w="9525">
+            <a:noFill/>
+            <a:headEnd/>
+            <a:tailEnd/>
+          </a:ln>
+        </p:spPr>
+      </p:pic>
     </p:spTree>
   </p:cSld>
 </p:sld>
@@ -5054,76 +5124,54 @@
       </p:grpSpPr>
       <p:sp>
         <p:nvSpPr>
-          <p:cNvPr id="2" name="Title 1">
-            <a:extLst>
-              <a:ext uri="{FF2B5EF4-FFF2-40B4-BE49-F238E27FC236}">
-                <a16:creationId xmlns:a16="http://schemas.microsoft.com/office/drawing/2014/main" id="{F3186003-B489-CA46-A95C-C1AECC0CA4D3}"/>
-              </a:ext>
-            </a:extLst>
-          </p:cNvPr>
-          <p:cNvSpPr>
-            <a:spLocks noGrp="1"/>
-          </p:cNvSpPr>
-          <p:nvPr>
-            <p:ph type="title"/>
-          </p:nvPr>
-        </p:nvSpPr>
-        <p:spPr>
-          <a:xfrm>
-            <a:off x="839788" y="457200"/>
-            <a:ext cx="3932237" cy="1600200"/>
-          </a:xfrm>
-          <a:prstGeom prst="rect">
-            <a:avLst/>
-          </a:prstGeom>
-        </p:spPr>
+          <p:cNvPr id="4" name="Text Placeholder 3">
+            <a:extLst>
+              <a:ext uri="{FF2B5EF4-FFF2-40B4-BE49-F238E27FC236}">
+                <a16:creationId xmlns:a16="http://schemas.microsoft.com/office/drawing/2014/main" id="{898BA411-2A54-A94A-B3FC-826281DBEADF}"/>
+              </a:ext>
+            </a:extLst>
+          </p:cNvPr>
+          <p:cNvSpPr>
+            <a:spLocks noGrp="1"/>
+          </p:cNvSpPr>
+          <p:nvPr>
+            <p:ph idx="2" sz="half" type="body"/>
+          </p:nvPr>
+        </p:nvSpPr>
+        <p:spPr/>
         <p:txBody>
           <a:bodyPr/>
           <a:lstStyle/>
           <a:p>
             <a:pPr lvl="0" indent="0" marL="0">
+              <a:spcBef>
+                <a:spcPts val="3000"/>
+              </a:spcBef>
               <a:buNone/>
             </a:pPr>
             <a:r>
               <a:rPr b="1"/>
-              <a:t>Gorilla.sc experimental platform</a:t>
-            </a:r>
-          </a:p>
-        </p:txBody>
-      </p:sp>
-      <p:sp>
-        <p:nvSpPr>
-          <p:cNvPr id="4" name="Text Placeholder 3">
-            <a:extLst>
-              <a:ext uri="{FF2B5EF4-FFF2-40B4-BE49-F238E27FC236}">
-                <a16:creationId xmlns:a16="http://schemas.microsoft.com/office/drawing/2014/main" id="{898BA411-2A54-A94A-B3FC-826281DBEADF}"/>
-              </a:ext>
-            </a:extLst>
-          </p:cNvPr>
-          <p:cNvSpPr>
-            <a:spLocks noGrp="1"/>
-          </p:cNvSpPr>
-          <p:nvPr>
-            <p:ph idx="2" sz="half" type="body"/>
-          </p:nvPr>
-        </p:nvSpPr>
-        <p:spPr/>
-        <p:txBody>
-          <a:bodyPr/>
-          <a:lstStyle/>
+              <a:t>Support pages and other guides to get you started</a:t>
+            </a:r>
+          </a:p>
           <a:p>
             <a:pPr lvl="0" indent="0" marL="0">
               <a:buNone/>
             </a:pPr>
             <a:r>
               <a:rPr/>
-              <a:t>Some of you may be keen to program a task, such as a Stroop Task or a Go/No-Go task. For anything requiring complex presentation of stimuli or data recording accuracies or reaction times, Gorilla would be the most suitable platform to employ. Review some of the tasks they have in their ‘Samples’ collection ready for cloning! </a:t>
-            </a:r>
+              <a:t>There is a fantastic set of resources available to new users</a:t>
+            </a:r>
+          </a:p>
+          <a:p>
+            <a:pPr lvl="0" indent="0" marL="0">
+              <a:buNone/>
+            </a:pPr>
             <a:r>
               <a:rPr>
                 <a:hlinkClick r:id="rId2"/>
               </a:rPr>
-              <a:t>https://app.gorilla.sc/support/samples</a:t>
+              <a:t>https://support.gorilla.sc/support/</a:t>
             </a:r>
           </a:p>
           <a:p>
@@ -5131,53 +5179,51 @@
               <a:buNone/>
             </a:pPr>
             <a:r>
-              <a:rPr b="1"/>
-              <a:t>Getting your Gorilla account if you are a new user to the software please follow the below guidance:</a:t>
-            </a:r>
-          </a:p>
-          <a:p>
-            <a:pPr lvl="0" indent="0" marL="0">
-              <a:buNone/>
-            </a:pPr>
-            <a:r>
               <a:rPr/>
-              <a:t>Please go the Gorilla webpage (</a:t>
+              <a:t>With a ‘Getting Started Guide’ </a:t>
             </a:r>
             <a:r>
               <a:rPr>
                 <a:hlinkClick r:id="rId3"/>
               </a:rPr>
-              <a:t>https://gorilla.sc/login</a:t>
-            </a:r>
+              <a:t>https://support.gorilla.sc/support/walkthrough/getting-started</a:t>
+            </a:r>
+          </a:p>
+          <a:p>
+            <a:pPr lvl="0" indent="0" marL="0">
+              <a:buNone/>
+            </a:pPr>
             <a:r>
               <a:rPr/>
-              <a:t>), if you don’t already have an account create a new one, at the bottom of STEP 3 - finish, you should find a box called + My institution already has a subscription. Please click on this box (please see an image below for ease) and enter the enrolment code: </a:t>
-            </a:r>
-            <a:r>
-              <a:rPr b="1"/>
-              <a:t>PsychGold</a:t>
+              <a:t>And onboarding videos </a:t>
+            </a:r>
+            <a:r>
+              <a:rPr>
+                <a:hlinkClick r:id="rId4"/>
+              </a:rPr>
+              <a:t>https://support.gorilla.sc/support/getstarted</a:t>
             </a:r>
           </a:p>
         </p:txBody>
       </p:sp>
       <p:pic>
         <p:nvPicPr>
-          <p:cNvPr descr="images/Screenshot - Microsoft Word-10-11-000260.png" id="0" name="Picture 1"/>
+          <p:cNvPr descr="images/Screenshot%20-%20Microsoft%20Word-10-11-000262.png" id="0" name="Picture 1"/>
           <p:cNvPicPr>
             <a:picLocks noGrp="1" noChangeAspect="1"/>
           </p:cNvPicPr>
           <p:nvPr/>
         </p:nvPicPr>
         <p:blipFill>
-          <a:blip r:embed="rId4"/>
+          <a:blip r:embed="rId5"/>
           <a:stretch>
             <a:fillRect/>
           </a:stretch>
         </p:blipFill>
         <p:spPr bwMode="auto">
           <a:xfrm>
-            <a:off x="5181600" y="1625600"/>
-            <a:ext cx="6172200" cy="3568700"/>
+            <a:off x="5181600" y="1803400"/>
+            <a:ext cx="6172200" cy="3213100"/>
           </a:xfrm>
           <a:prstGeom prst="rect">
             <a:avLst/>
@@ -5214,142 +5260,6 @@
       </p:grpSpPr>
       <p:sp>
         <p:nvSpPr>
-          <p:cNvPr id="4" name="Text Placeholder 3">
-            <a:extLst>
-              <a:ext uri="{FF2B5EF4-FFF2-40B4-BE49-F238E27FC236}">
-                <a16:creationId xmlns:a16="http://schemas.microsoft.com/office/drawing/2014/main" id="{898BA411-2A54-A94A-B3FC-826281DBEADF}"/>
-              </a:ext>
-            </a:extLst>
-          </p:cNvPr>
-          <p:cNvSpPr>
-            <a:spLocks noGrp="1"/>
-          </p:cNvSpPr>
-          <p:nvPr>
-            <p:ph idx="2" sz="half" type="body"/>
-          </p:nvPr>
-        </p:nvSpPr>
-        <p:spPr/>
-        <p:txBody>
-          <a:bodyPr/>
-          <a:lstStyle/>
-          <a:p>
-            <a:pPr lvl="0" indent="0" marL="0">
-              <a:spcBef>
-                <a:spcPts val="3000"/>
-              </a:spcBef>
-              <a:buNone/>
-            </a:pPr>
-            <a:r>
-              <a:rPr b="1"/>
-              <a:t>Support pages and other guides to get you started</a:t>
-            </a:r>
-          </a:p>
-          <a:p>
-            <a:pPr lvl="0" indent="0" marL="0">
-              <a:buNone/>
-            </a:pPr>
-            <a:r>
-              <a:rPr/>
-              <a:t>There is a fantastic set of resources available to new users</a:t>
-            </a:r>
-          </a:p>
-          <a:p>
-            <a:pPr lvl="0" indent="0" marL="0">
-              <a:buNone/>
-            </a:pPr>
-            <a:r>
-              <a:rPr>
-                <a:hlinkClick r:id="rId2"/>
-              </a:rPr>
-              <a:t>https://support.gorilla.sc/support/</a:t>
-            </a:r>
-          </a:p>
-          <a:p>
-            <a:pPr lvl="0" indent="0" marL="0">
-              <a:buNone/>
-            </a:pPr>
-            <a:r>
-              <a:rPr/>
-              <a:t>With a ‘Getting Started Guide’ </a:t>
-            </a:r>
-            <a:r>
-              <a:rPr>
-                <a:hlinkClick r:id="rId3"/>
-              </a:rPr>
-              <a:t>https://support.gorilla.sc/support/walkthrough/getting-started</a:t>
-            </a:r>
-          </a:p>
-          <a:p>
-            <a:pPr lvl="0" indent="0" marL="0">
-              <a:buNone/>
-            </a:pPr>
-            <a:r>
-              <a:rPr/>
-              <a:t>And onboarding videos </a:t>
-            </a:r>
-            <a:r>
-              <a:rPr>
-                <a:hlinkClick r:id="rId4"/>
-              </a:rPr>
-              <a:t>https://support.gorilla.sc/support/getstarted</a:t>
-            </a:r>
-          </a:p>
-        </p:txBody>
-      </p:sp>
-      <p:pic>
-        <p:nvPicPr>
-          <p:cNvPr descr="images/Screenshot - Microsoft Word-10-11-000262.png" id="0" name="Picture 1"/>
-          <p:cNvPicPr>
-            <a:picLocks noGrp="1" noChangeAspect="1"/>
-          </p:cNvPicPr>
-          <p:nvPr/>
-        </p:nvPicPr>
-        <p:blipFill>
-          <a:blip r:embed="rId5"/>
-          <a:stretch>
-            <a:fillRect/>
-          </a:stretch>
-        </p:blipFill>
-        <p:spPr bwMode="auto">
-          <a:xfrm>
-            <a:off x="5181600" y="1803400"/>
-            <a:ext cx="6172200" cy="3213100"/>
-          </a:xfrm>
-          <a:prstGeom prst="rect">
-            <a:avLst/>
-          </a:prstGeom>
-          <a:noFill/>
-          <a:ln w="9525">
-            <a:noFill/>
-            <a:headEnd/>
-            <a:tailEnd/>
-          </a:ln>
-        </p:spPr>
-      </p:pic>
-    </p:spTree>
-  </p:cSld>
-</p:sld>
-</file>
-
-<file path=ppt/slides/slide13.xml><?xml version="1.0" encoding="utf-8"?>
-<p:sld xmlns:a="http://schemas.openxmlformats.org/drawingml/2006/main" xmlns:r="http://schemas.openxmlformats.org/officeDocument/2006/relationships" xmlns:p="http://schemas.openxmlformats.org/presentationml/2006/main">
-  <p:cSld>
-    <p:spTree>
-      <p:nvGrpSpPr>
-        <p:cNvPr id="1" name=""/>
-        <p:cNvGrpSpPr/>
-        <p:nvPr/>
-      </p:nvGrpSpPr>
-      <p:grpSpPr>
-        <a:xfrm>
-          <a:off x="0" y="0"/>
-          <a:ext cx="0" cy="0"/>
-          <a:chOff x="0" y="0"/>
-          <a:chExt cx="0" cy="0"/>
-        </a:xfrm>
-      </p:grpSpPr>
-      <p:sp>
-        <p:nvSpPr>
           <p:cNvPr id="3" name="Content Placeholder 2">
             <a:extLst>
               <a:ext uri="{FF2B5EF4-FFF2-40B4-BE49-F238E27FC236}">
@@ -6100,7 +6010,7 @@
       </p:sp>
       <p:pic>
         <p:nvPicPr>
-          <p:cNvPr descr="images/Screenshot - Microsoft Word-10-11-000242.png" id="0" name="Picture 1"/>
+          <p:cNvPr descr="images/Screenshot%20-%20Microsoft%20Word-10-11-000242.png" id="0" name="Picture 1"/>
           <p:cNvPicPr>
             <a:picLocks noGrp="1" noChangeAspect="1"/>
           </p:cNvPicPr>
@@ -6216,7 +6126,7 @@
       </p:sp>
       <p:pic>
         <p:nvPicPr>
-          <p:cNvPr descr="images/Screenshot - Microsoft Word-10-11-000244.png" id="0" name="Picture 1"/>
+          <p:cNvPr descr="images/Screenshot%20-%20Microsoft%20Word-10-11-000244.png" id="0" name="Picture 1"/>
           <p:cNvPicPr>
             <a:picLocks noGrp="1" noChangeAspect="1"/>
           </p:cNvPicPr>
@@ -6320,7 +6230,7 @@
       </p:sp>
       <p:pic>
         <p:nvPicPr>
-          <p:cNvPr descr="images/Screenshot - Microsoft Word-10-11-000246.png" id="0" name="Picture 1"/>
+          <p:cNvPr descr="images/Screenshot%20-%20Microsoft%20Word-10-11-000246.png" id="0" name="Picture 1"/>
           <p:cNvPicPr>
             <a:picLocks noGrp="1" noChangeAspect="1"/>
           </p:cNvPicPr>
@@ -6415,7 +6325,7 @@
       </p:sp>
       <p:pic>
         <p:nvPicPr>
-          <p:cNvPr descr="images/Screenshot - Microsoft Word-10-11-000248.png" id="0" name="Picture 1"/>
+          <p:cNvPr descr="images/Screenshot%20-%20Microsoft%20Word-10-11-000248.png" id="0" name="Picture 1"/>
           <p:cNvPicPr>
             <a:picLocks noGrp="1" noChangeAspect="1"/>
           </p:cNvPicPr>
@@ -6519,7 +6429,7 @@
       </p:sp>
       <p:pic>
         <p:nvPicPr>
-          <p:cNvPr descr="images/Screenshot - Microsoft Word-10-11-000250.png" id="0" name="Picture 1"/>
+          <p:cNvPr descr="images/Screenshot%20-%20Microsoft%20Word-10-11-000250.png" id="0" name="Picture 1"/>
           <p:cNvPicPr>
             <a:picLocks noGrp="1" noChangeAspect="1"/>
           </p:cNvPicPr>
@@ -6611,7 +6521,7 @@
       </p:sp>
       <p:pic>
         <p:nvPicPr>
-          <p:cNvPr descr="images/Screenshot - Microsoft Word-10-11-000252.png" id="0" name="Picture 1"/>
+          <p:cNvPr descr="images/Screenshot%20-%20Microsoft%20Word-10-11-000252.png" id="0" name="Picture 1"/>
           <p:cNvPicPr>
             <a:picLocks noGrp="1" noChangeAspect="1"/>
           </p:cNvPicPr>
@@ -6694,7 +6604,7 @@
       </p:sp>
       <p:pic>
         <p:nvPicPr>
-          <p:cNvPr descr="images/Screenshot - Microsoft Word-10-11-000254.png" id="0" name="Picture 1"/>
+          <p:cNvPr descr="images/Screenshot%20-%20Microsoft%20Word-10-11-000254.png" id="0" name="Picture 1"/>
           <p:cNvPicPr>
             <a:picLocks noGrp="1" noChangeAspect="1"/>
           </p:cNvPicPr>
@@ -6708,8 +6618,90 @@
         </p:blipFill>
         <p:spPr bwMode="auto">
           <a:xfrm>
-            <a:off x="5181600" y="1130300"/>
-            <a:ext cx="6172200" cy="4559300"/>
+            <a:off x="838200" y="2514600"/>
+            <a:ext cx="3924300" cy="2895600"/>
+          </a:xfrm>
+          <a:prstGeom prst="rect">
+            <a:avLst/>
+          </a:prstGeom>
+          <a:noFill/>
+          <a:ln w="9525">
+            <a:noFill/>
+            <a:headEnd/>
+            <a:tailEnd/>
+          </a:ln>
+        </p:spPr>
+      </p:pic>
+      <p:sp>
+        <p:nvSpPr>
+          <p:cNvPr id="4" name="Text Placeholder 3">
+            <a:extLst>
+              <a:ext uri="{FF2B5EF4-FFF2-40B4-BE49-F238E27FC236}">
+                <a16:creationId xmlns:a16="http://schemas.microsoft.com/office/drawing/2014/main" id="{898BA411-2A54-A94A-B3FC-826281DBEADF}"/>
+              </a:ext>
+            </a:extLst>
+          </p:cNvPr>
+          <p:cNvSpPr>
+            <a:spLocks noGrp="1"/>
+          </p:cNvSpPr>
+          <p:nvPr>
+            <p:ph idx="2" sz="half" type="body"/>
+          </p:nvPr>
+        </p:nvSpPr>
+        <p:spPr/>
+        <p:txBody>
+          <a:bodyPr/>
+          <a:lstStyle/>
+          <a:p>
+            <a:pPr lvl="0" indent="0" marL="0">
+              <a:buNone/>
+            </a:pPr>
+            <a:r>
+              <a:rPr/>
+              <a:t>In Term 2 we will be looking at the data and how to clean it. The most important thing I would advise you to do is to name your blocks and questions clearly, so that this is reflected in the dataset that you download. If you don’t know which question is which, you could come unstuck.</a:t>
+            </a:r>
+          </a:p>
+          <a:p>
+            <a:pPr lvl="0" indent="0" marL="0">
+              <a:spcBef>
+                <a:spcPts val="3000"/>
+              </a:spcBef>
+              <a:buNone/>
+            </a:pPr>
+            <a:r>
+              <a:rPr b="1"/>
+              <a:t>Collaborate your survey with colleagues</a:t>
+            </a:r>
+          </a:p>
+          <a:p>
+            <a:pPr lvl="0" indent="0" marL="0">
+              <a:buNone/>
+            </a:pPr>
+            <a:r>
+              <a:rPr/>
+              <a:t>If you wish to share your survey with your group and work on it together, you can ‘Collaborate’ the project. It’s like using a shared document. You can monitor versions in case you make a mistake, but remember to ‘Publish’ if you want to over-write any changes you make! You can find this in the ‘Tools’ menu and you will need to use your colleagues’ Goldsmiths email addresses AND they will need to have a Goldsmiths Qualtrics account too.</a:t>
+            </a:r>
+          </a:p>
+        </p:txBody>
+      </p:sp>
+      <p:pic>
+        <p:nvPicPr>
+          <p:cNvPr descr="images/Screenshot%20-%20Microsoft%20Word-10-11-000258.png" id="0" name="Picture 1"/>
+          <p:cNvPicPr>
+            <a:picLocks noGrp="1" noChangeAspect="1"/>
+          </p:cNvPicPr>
+          <p:nvPr/>
+        </p:nvPicPr>
+        <p:blipFill>
+          <a:blip r:embed="rId3"/>
+          <a:stretch>
+            <a:fillRect/>
+          </a:stretch>
+        </p:blipFill>
+        <p:spPr bwMode="auto">
+          <a:xfrm>
+            <a:off x="5181600" y="1054100"/>
+            <a:ext cx="6172200" cy="4711700"/>
           </a:xfrm>
           <a:prstGeom prst="rect">
             <a:avLst/>
@@ -6746,18 +6738,18 @@
       </p:grpSpPr>
       <p:sp>
         <p:nvSpPr>
-          <p:cNvPr id="4" name="Text Placeholder 3">
-            <a:extLst>
-              <a:ext uri="{FF2B5EF4-FFF2-40B4-BE49-F238E27FC236}">
-                <a16:creationId xmlns:a16="http://schemas.microsoft.com/office/drawing/2014/main" id="{898BA411-2A54-A94A-B3FC-826281DBEADF}"/>
-              </a:ext>
-            </a:extLst>
-          </p:cNvPr>
-          <p:cNvSpPr>
-            <a:spLocks noGrp="1"/>
-          </p:cNvSpPr>
-          <p:nvPr>
-            <p:ph idx="2" sz="half" type="body"/>
+          <p:cNvPr id="3" name="Content Placeholder 2">
+            <a:extLst>
+              <a:ext uri="{FF2B5EF4-FFF2-40B4-BE49-F238E27FC236}">
+                <a16:creationId xmlns:a16="http://schemas.microsoft.com/office/drawing/2014/main" id="{A4EB24F9-04F1-C843-9D71-56C5C024552B}"/>
+              </a:ext>
+            </a:extLst>
+          </p:cNvPr>
+          <p:cNvSpPr>
+            <a:spLocks noGrp="1"/>
+          </p:cNvSpPr>
+          <p:nvPr>
+            <p:ph idx="1"/>
           </p:nvPr>
         </p:nvSpPr>
         <p:spPr/>
@@ -6770,19 +6762,28 @@
             </a:pPr>
             <a:r>
               <a:rPr/>
-              <a:t>In Term 2 we will be looking at the data and how to clean it. The most important thing I would advise you to do is to name your blocks and questions clearly, so that this is reflected in the dataset that you download. If you don’t know which question is which, you could come unstuck.</a:t>
+              <a:t>For More Information the Qualtrics website includes comprehensive and easy-to-follow help documentation as mentioned above. Tutorials, webinars and detailed directions are available via Qualtrics’ extensive online resource, Qualtrics Support. </a:t>
+            </a:r>
+            <a:r>
+              <a:rPr>
+                <a:hlinkClick r:id="rId2"/>
+              </a:rPr>
+              <a:t>www.qualtrics.com/support</a:t>
             </a:r>
           </a:p>
           <a:p>
             <a:pPr lvl="0" indent="0" marL="0">
-              <a:spcBef>
-                <a:spcPts val="3000"/>
-              </a:spcBef>
-              <a:buNone/>
-            </a:pPr>
-            <a:r>
-              <a:rPr b="1"/>
-              <a:t>Collaborate your survey with colleagues</a:t>
+              <a:buNone/>
+            </a:pPr>
+            <a:r>
+              <a:rPr/>
+              <a:t>For fast, individualized support over chat, email or a scheduled phone call, please consider using the Support Center. We pay for the services here, but they are based in the US: </a:t>
+            </a:r>
+            <a:r>
+              <a:rPr>
+                <a:hlinkClick r:id="rId3"/>
+              </a:rPr>
+              <a:t>www.qualtrics.com/support-center</a:t>
             </a:r>
           </a:p>
           <a:p>
@@ -6791,41 +6792,17 @@
             </a:pPr>
             <a:r>
               <a:rPr/>
-              <a:t>If you wish to share your survey with your group and work on it together, you can ‘Collaborate’ the project. It’s like using a shared document. You can monitor versions in case you make a mistake, but remember to ‘Publish’ if you want to over-write any changes you make! You can find this in the ‘Tools’ menu and you will need to use your colleagues’ Goldsmiths email addresses AND they will need to have a Goldsmiths Qualtrics account too.</a:t>
-            </a:r>
-          </a:p>
-        </p:txBody>
-      </p:sp>
-      <p:pic>
-        <p:nvPicPr>
-          <p:cNvPr descr="images/Screenshot - Microsoft Word-10-11-000258.png" id="0" name="Picture 1"/>
-          <p:cNvPicPr>
-            <a:picLocks noGrp="1" noChangeAspect="1"/>
-          </p:cNvPicPr>
-          <p:nvPr/>
-        </p:nvPicPr>
-        <p:blipFill>
-          <a:blip r:embed="rId2"/>
-          <a:stretch>
-            <a:fillRect/>
-          </a:stretch>
-        </p:blipFill>
-        <p:spPr bwMode="auto">
-          <a:xfrm>
-            <a:off x="5181600" y="1054100"/>
-            <a:ext cx="6172200" cy="4711700"/>
-          </a:xfrm>
-          <a:prstGeom prst="rect">
-            <a:avLst/>
-          </a:prstGeom>
-          <a:noFill/>
-          <a:ln w="9525">
-            <a:noFill/>
-            <a:headEnd/>
-            <a:tailEnd/>
-          </a:ln>
-        </p:spPr>
-      </p:pic>
+              <a:t>For fast, individualized support over chat, email or a scheduled phone call, please consider using the Support Center. We pay for the services here, but they are based in the US: </a:t>
+            </a:r>
+            <a:r>
+              <a:rPr>
+                <a:hlinkClick r:id="rId4"/>
+              </a:rPr>
+              <a:t>www.qualtrics.com/support-center</a:t>
+            </a:r>
+          </a:p>
+        </p:txBody>
+      </p:sp>
     </p:spTree>
   </p:cSld>
 </p:sld>
